--- a/Docs/Presentacion-primera-entrega-proyecto-Gvoice.pptx
+++ b/Docs/Presentacion-primera-entrega-proyecto-Gvoice.pptx
@@ -5,20 +5,17 @@
     <p:sldMasterId id="2147483648" r:id="rId1"/>
   </p:sldMasterIdLst>
   <p:notesMasterIdLst>
-    <p:notesMasterId r:id="rId13"/>
+    <p:notesMasterId r:id="rId10"/>
   </p:notesMasterIdLst>
   <p:sldIdLst>
     <p:sldId id="265" r:id="rId2"/>
-    <p:sldId id="336" r:id="rId3"/>
-    <p:sldId id="368" r:id="rId4"/>
-    <p:sldId id="377" r:id="rId5"/>
-    <p:sldId id="369" r:id="rId6"/>
-    <p:sldId id="372" r:id="rId7"/>
-    <p:sldId id="373" r:id="rId8"/>
-    <p:sldId id="374" r:id="rId9"/>
-    <p:sldId id="371" r:id="rId10"/>
-    <p:sldId id="375" r:id="rId11"/>
-    <p:sldId id="379" r:id="rId12"/>
+    <p:sldId id="369" r:id="rId3"/>
+    <p:sldId id="372" r:id="rId4"/>
+    <p:sldId id="373" r:id="rId5"/>
+    <p:sldId id="374" r:id="rId6"/>
+    <p:sldId id="371" r:id="rId7"/>
+    <p:sldId id="375" r:id="rId8"/>
+    <p:sldId id="379" r:id="rId9"/>
   </p:sldIdLst>
   <p:sldSz cx="9144000" cy="6858000" type="screen4x3"/>
   <p:notesSz cx="6858000" cy="9144000"/>
@@ -145,1188 +142,6 @@
 </p1510:revInfo>
 </file>
 
-<file path=ppt/charts/chart1.xml><?xml version="1.0" encoding="utf-8"?>
-<c:chartSpace xmlns:c="http://schemas.openxmlformats.org/drawingml/2006/chart" xmlns:a="http://schemas.openxmlformats.org/drawingml/2006/main" xmlns:r="http://schemas.openxmlformats.org/officeDocument/2006/relationships" xmlns:c16r2="http://schemas.microsoft.com/office/drawing/2015/06/chart">
-  <c:date1904 val="0"/>
-  <c:lang val="es-ES"/>
-  <c:roundedCorners val="0"/>
-  <mc:AlternateContent xmlns:mc="http://schemas.openxmlformats.org/markup-compatibility/2006">
-    <mc:Choice xmlns:c14="http://schemas.microsoft.com/office/drawing/2007/8/2/chart" Requires="c14">
-      <c14:style val="102"/>
-    </mc:Choice>
-    <mc:Fallback>
-      <c:style val="2"/>
-    </mc:Fallback>
-  </mc:AlternateContent>
-  <c:chart>
-    <c:title>
-      <c:tx>
-        <c:rich>
-          <a:bodyPr rot="0" spcFirstLastPara="1" vertOverflow="ellipsis" vert="horz" wrap="square" anchor="ctr" anchorCtr="1"/>
-          <a:lstStyle/>
-          <a:p>
-            <a:pPr marL="0" marR="0" lvl="0" indent="0" algn="ctr" defTabSz="914400" rtl="0" eaLnBrk="1" fontAlgn="auto" latinLnBrk="0" hangingPunct="1">
-              <a:lnSpc>
-                <a:spcPct val="100000"/>
-              </a:lnSpc>
-              <a:spcBef>
-                <a:spcPts val="0"/>
-              </a:spcBef>
-              <a:spcAft>
-                <a:spcPts val="0"/>
-              </a:spcAft>
-              <a:buClrTx/>
-              <a:buSzTx/>
-              <a:buFontTx/>
-              <a:buNone/>
-              <a:tabLst/>
-              <a:defRPr sz="1400" b="0" i="0" u="none" strike="noStrike" kern="1200" spc="0" baseline="0">
-                <a:solidFill>
-                  <a:sysClr val="windowText" lastClr="000000">
-                    <a:lumMod val="65000"/>
-                    <a:lumOff val="35000"/>
-                  </a:sysClr>
-                </a:solidFill>
-                <a:latin typeface="+mn-lt"/>
-                <a:ea typeface="+mn-ea"/>
-                <a:cs typeface="+mn-cs"/>
-              </a:defRPr>
-            </a:pPr>
-            <a:r>
-              <a:rPr lang="es-CO" sz="1800" b="1">
-                <a:effectLst/>
-              </a:rPr>
-              <a:t>RefQueue Vs Queue</a:t>
-            </a:r>
-            <a:endParaRPr lang="es-CO">
-              <a:effectLst/>
-            </a:endParaRPr>
-          </a:p>
-          <a:p>
-            <a:pPr marL="0" marR="0" lvl="0" indent="0" algn="ctr" defTabSz="914400" rtl="0" eaLnBrk="1" fontAlgn="auto" latinLnBrk="0" hangingPunct="1">
-              <a:lnSpc>
-                <a:spcPct val="100000"/>
-              </a:lnSpc>
-              <a:spcBef>
-                <a:spcPts val="0"/>
-              </a:spcBef>
-              <a:spcAft>
-                <a:spcPts val="0"/>
-              </a:spcAft>
-              <a:buClrTx/>
-              <a:buSzTx/>
-              <a:buFontTx/>
-              <a:buNone/>
-              <a:tabLst/>
-              <a:defRPr>
-                <a:solidFill>
-                  <a:sysClr val="windowText" lastClr="000000">
-                    <a:lumMod val="65000"/>
-                    <a:lumOff val="35000"/>
-                  </a:sysClr>
-                </a:solidFill>
-              </a:defRPr>
-            </a:pPr>
-            <a:endParaRPr lang="es-CO"/>
-          </a:p>
-        </c:rich>
-      </c:tx>
-      <c:overlay val="0"/>
-      <c:spPr>
-        <a:noFill/>
-        <a:ln>
-          <a:noFill/>
-        </a:ln>
-        <a:effectLst/>
-      </c:spPr>
-      <c:txPr>
-        <a:bodyPr rot="0" spcFirstLastPara="1" vertOverflow="ellipsis" vert="horz" wrap="square" anchor="ctr" anchorCtr="1"/>
-        <a:lstStyle/>
-        <a:p>
-          <a:pPr marL="0" marR="0" lvl="0" indent="0" algn="ctr" defTabSz="914400" rtl="0" eaLnBrk="1" fontAlgn="auto" latinLnBrk="0" hangingPunct="1">
-            <a:lnSpc>
-              <a:spcPct val="100000"/>
-            </a:lnSpc>
-            <a:spcBef>
-              <a:spcPts val="0"/>
-            </a:spcBef>
-            <a:spcAft>
-              <a:spcPts val="0"/>
-            </a:spcAft>
-            <a:buClrTx/>
-            <a:buSzTx/>
-            <a:buFontTx/>
-            <a:buNone/>
-            <a:tabLst/>
-            <a:defRPr sz="1400" b="0" i="0" u="none" strike="noStrike" kern="1200" spc="0" baseline="0">
-              <a:solidFill>
-                <a:sysClr val="windowText" lastClr="000000">
-                  <a:lumMod val="65000"/>
-                  <a:lumOff val="35000"/>
-                </a:sysClr>
-              </a:solidFill>
-              <a:latin typeface="+mn-lt"/>
-              <a:ea typeface="+mn-ea"/>
-              <a:cs typeface="+mn-cs"/>
-            </a:defRPr>
-          </a:pPr>
-          <a:endParaRPr lang="es-CO"/>
-        </a:p>
-      </c:txPr>
-    </c:title>
-    <c:autoTitleDeleted val="0"/>
-    <c:plotArea>
-      <c:layout/>
-      <c:scatterChart>
-        <c:scatterStyle val="lineMarker"/>
-        <c:varyColors val="0"/>
-        <c:ser>
-          <c:idx val="0"/>
-          <c:order val="0"/>
-          <c:tx>
-            <c:strRef>
-              <c:f>Hoja1!$F$3:$F$4</c:f>
-              <c:strCache>
-                <c:ptCount val="2"/>
-                <c:pt idx="0">
-                  <c:v>RefQueue</c:v>
-                </c:pt>
-                <c:pt idx="1">
-                  <c:v>ms</c:v>
-                </c:pt>
-              </c:strCache>
-            </c:strRef>
-          </c:tx>
-          <c:spPr>
-            <a:ln w="19050" cap="rnd">
-              <a:solidFill>
-                <a:schemeClr val="accent1"/>
-              </a:solidFill>
-              <a:round/>
-            </a:ln>
-            <a:effectLst/>
-          </c:spPr>
-          <c:marker>
-            <c:symbol val="circle"/>
-            <c:size val="5"/>
-            <c:spPr>
-              <a:solidFill>
-                <a:schemeClr val="accent1"/>
-              </a:solidFill>
-              <a:ln w="9525">
-                <a:solidFill>
-                  <a:schemeClr val="accent1"/>
-                </a:solidFill>
-              </a:ln>
-              <a:effectLst/>
-            </c:spPr>
-          </c:marker>
-          <c:xVal>
-            <c:numRef>
-              <c:f>Hoja1!$E$5:$E$17</c:f>
-              <c:numCache>
-                <c:formatCode>General</c:formatCode>
-                <c:ptCount val="13"/>
-                <c:pt idx="0">
-                  <c:v>1</c:v>
-                </c:pt>
-                <c:pt idx="1">
-                  <c:v>5</c:v>
-                </c:pt>
-                <c:pt idx="2">
-                  <c:v>10</c:v>
-                </c:pt>
-                <c:pt idx="3">
-                  <c:v>50</c:v>
-                </c:pt>
-                <c:pt idx="4">
-                  <c:v>100</c:v>
-                </c:pt>
-                <c:pt idx="5">
-                  <c:v>500</c:v>
-                </c:pt>
-                <c:pt idx="6">
-                  <c:v>1000</c:v>
-                </c:pt>
-                <c:pt idx="7">
-                  <c:v>5000</c:v>
-                </c:pt>
-                <c:pt idx="8">
-                  <c:v>10000</c:v>
-                </c:pt>
-                <c:pt idx="9">
-                  <c:v>50000</c:v>
-                </c:pt>
-                <c:pt idx="10">
-                  <c:v>100000</c:v>
-                </c:pt>
-                <c:pt idx="11">
-                  <c:v>500000</c:v>
-                </c:pt>
-                <c:pt idx="12">
-                  <c:v>1000000</c:v>
-                </c:pt>
-              </c:numCache>
-            </c:numRef>
-          </c:xVal>
-          <c:yVal>
-            <c:numRef>
-              <c:f>Hoja1!$F$5:$F$17</c:f>
-              <c:numCache>
-                <c:formatCode>General</c:formatCode>
-                <c:ptCount val="13"/>
-                <c:pt idx="0">
-                  <c:v>390</c:v>
-                </c:pt>
-                <c:pt idx="1">
-                  <c:v>460</c:v>
-                </c:pt>
-                <c:pt idx="2">
-                  <c:v>600</c:v>
-                </c:pt>
-                <c:pt idx="3">
-                  <c:v>1050</c:v>
-                </c:pt>
-                <c:pt idx="4">
-                  <c:v>2000</c:v>
-                </c:pt>
-                <c:pt idx="5">
-                  <c:v>7620</c:v>
-                </c:pt>
-                <c:pt idx="6">
-                  <c:v>15380</c:v>
-                </c:pt>
-                <c:pt idx="7">
-                  <c:v>68290</c:v>
-                </c:pt>
-                <c:pt idx="8">
-                  <c:v>141180</c:v>
-                </c:pt>
-                <c:pt idx="9">
-                  <c:v>682540</c:v>
-                </c:pt>
-                <c:pt idx="10">
-                  <c:v>1264620</c:v>
-                </c:pt>
-                <c:pt idx="11">
-                  <c:v>6728450</c:v>
-                </c:pt>
-                <c:pt idx="12">
-                  <c:v>20201680</c:v>
-                </c:pt>
-              </c:numCache>
-            </c:numRef>
-          </c:yVal>
-          <c:smooth val="0"/>
-          <c:extLst>
-            <c:ext xmlns:c16="http://schemas.microsoft.com/office/drawing/2014/chart" uri="{C3380CC4-5D6E-409C-BE32-E72D297353CC}">
-              <c16:uniqueId val="{00000000-1644-47B7-BE65-BB45DC88AEFB}"/>
-            </c:ext>
-          </c:extLst>
-        </c:ser>
-        <c:ser>
-          <c:idx val="1"/>
-          <c:order val="1"/>
-          <c:tx>
-            <c:strRef>
-              <c:f>Hoja1!$G$3:$G$4</c:f>
-              <c:strCache>
-                <c:ptCount val="2"/>
-                <c:pt idx="0">
-                  <c:v>Queue</c:v>
-                </c:pt>
-                <c:pt idx="1">
-                  <c:v>ms</c:v>
-                </c:pt>
-              </c:strCache>
-            </c:strRef>
-          </c:tx>
-          <c:spPr>
-            <a:ln w="19050" cap="rnd">
-              <a:solidFill>
-                <a:schemeClr val="accent2"/>
-              </a:solidFill>
-              <a:round/>
-            </a:ln>
-            <a:effectLst/>
-          </c:spPr>
-          <c:marker>
-            <c:symbol val="circle"/>
-            <c:size val="5"/>
-            <c:spPr>
-              <a:solidFill>
-                <a:schemeClr val="accent2"/>
-              </a:solidFill>
-              <a:ln w="9525">
-                <a:solidFill>
-                  <a:schemeClr val="accent2"/>
-                </a:solidFill>
-              </a:ln>
-              <a:effectLst/>
-            </c:spPr>
-          </c:marker>
-          <c:xVal>
-            <c:numRef>
-              <c:f>Hoja1!$E$5:$E$17</c:f>
-              <c:numCache>
-                <c:formatCode>General</c:formatCode>
-                <c:ptCount val="13"/>
-                <c:pt idx="0">
-                  <c:v>1</c:v>
-                </c:pt>
-                <c:pt idx="1">
-                  <c:v>5</c:v>
-                </c:pt>
-                <c:pt idx="2">
-                  <c:v>10</c:v>
-                </c:pt>
-                <c:pt idx="3">
-                  <c:v>50</c:v>
-                </c:pt>
-                <c:pt idx="4">
-                  <c:v>100</c:v>
-                </c:pt>
-                <c:pt idx="5">
-                  <c:v>500</c:v>
-                </c:pt>
-                <c:pt idx="6">
-                  <c:v>1000</c:v>
-                </c:pt>
-                <c:pt idx="7">
-                  <c:v>5000</c:v>
-                </c:pt>
-                <c:pt idx="8">
-                  <c:v>10000</c:v>
-                </c:pt>
-                <c:pt idx="9">
-                  <c:v>50000</c:v>
-                </c:pt>
-                <c:pt idx="10">
-                  <c:v>100000</c:v>
-                </c:pt>
-                <c:pt idx="11">
-                  <c:v>500000</c:v>
-                </c:pt>
-                <c:pt idx="12">
-                  <c:v>1000000</c:v>
-                </c:pt>
-              </c:numCache>
-            </c:numRef>
-          </c:xVal>
-          <c:yVal>
-            <c:numRef>
-              <c:f>Hoja1!$G$5:$G$17</c:f>
-              <c:numCache>
-                <c:formatCode>General</c:formatCode>
-                <c:ptCount val="13"/>
-                <c:pt idx="0">
-                  <c:v>250</c:v>
-                </c:pt>
-                <c:pt idx="1">
-                  <c:v>320</c:v>
-                </c:pt>
-                <c:pt idx="2">
-                  <c:v>600</c:v>
-                </c:pt>
-                <c:pt idx="3">
-                  <c:v>1100</c:v>
-                </c:pt>
-                <c:pt idx="4">
-                  <c:v>1970</c:v>
-                </c:pt>
-                <c:pt idx="5">
-                  <c:v>7620</c:v>
-                </c:pt>
-                <c:pt idx="6">
-                  <c:v>16120</c:v>
-                </c:pt>
-                <c:pt idx="7">
-                  <c:v>78760</c:v>
-                </c:pt>
-                <c:pt idx="8">
-                  <c:v>142140</c:v>
-                </c:pt>
-                <c:pt idx="9">
-                  <c:v>716050</c:v>
-                </c:pt>
-                <c:pt idx="10">
-                  <c:v>1404670</c:v>
-                </c:pt>
-                <c:pt idx="11">
-                  <c:v>8498610</c:v>
-                </c:pt>
-                <c:pt idx="12">
-                  <c:v>20423680</c:v>
-                </c:pt>
-              </c:numCache>
-            </c:numRef>
-          </c:yVal>
-          <c:smooth val="0"/>
-          <c:extLst>
-            <c:ext xmlns:c16="http://schemas.microsoft.com/office/drawing/2014/chart" uri="{C3380CC4-5D6E-409C-BE32-E72D297353CC}">
-              <c16:uniqueId val="{00000001-1644-47B7-BE65-BB45DC88AEFB}"/>
-            </c:ext>
-          </c:extLst>
-        </c:ser>
-        <c:dLbls>
-          <c:showLegendKey val="0"/>
-          <c:showVal val="0"/>
-          <c:showCatName val="0"/>
-          <c:showSerName val="0"/>
-          <c:showPercent val="0"/>
-          <c:showBubbleSize val="0"/>
-        </c:dLbls>
-        <c:axId val="1698880463"/>
-        <c:axId val="1684636591"/>
-      </c:scatterChart>
-      <c:valAx>
-        <c:axId val="1698880463"/>
-        <c:scaling>
-          <c:logBase val="10"/>
-          <c:orientation val="minMax"/>
-        </c:scaling>
-        <c:delete val="0"/>
-        <c:axPos val="b"/>
-        <c:majorGridlines>
-          <c:spPr>
-            <a:ln w="9525" cap="flat" cmpd="sng" algn="ctr">
-              <a:solidFill>
-                <a:schemeClr val="tx1">
-                  <a:lumMod val="15000"/>
-                  <a:lumOff val="85000"/>
-                </a:schemeClr>
-              </a:solidFill>
-              <a:round/>
-            </a:ln>
-            <a:effectLst/>
-          </c:spPr>
-        </c:majorGridlines>
-        <c:numFmt formatCode="General" sourceLinked="1"/>
-        <c:majorTickMark val="none"/>
-        <c:minorTickMark val="none"/>
-        <c:tickLblPos val="nextTo"/>
-        <c:spPr>
-          <a:noFill/>
-          <a:ln w="9525" cap="flat" cmpd="sng" algn="ctr">
-            <a:solidFill>
-              <a:schemeClr val="tx1">
-                <a:lumMod val="25000"/>
-                <a:lumOff val="75000"/>
-              </a:schemeClr>
-            </a:solidFill>
-            <a:round/>
-          </a:ln>
-          <a:effectLst/>
-        </c:spPr>
-        <c:txPr>
-          <a:bodyPr rot="-60000000" spcFirstLastPara="1" vertOverflow="ellipsis" vert="horz" wrap="square" anchor="ctr" anchorCtr="1"/>
-          <a:lstStyle/>
-          <a:p>
-            <a:pPr>
-              <a:defRPr sz="900" b="0" i="0" u="none" strike="noStrike" kern="1200" baseline="0">
-                <a:solidFill>
-                  <a:schemeClr val="tx1">
-                    <a:lumMod val="65000"/>
-                    <a:lumOff val="35000"/>
-                  </a:schemeClr>
-                </a:solidFill>
-                <a:latin typeface="+mn-lt"/>
-                <a:ea typeface="+mn-ea"/>
-                <a:cs typeface="+mn-cs"/>
-              </a:defRPr>
-            </a:pPr>
-            <a:endParaRPr lang="es-CO"/>
-          </a:p>
-        </c:txPr>
-        <c:crossAx val="1684636591"/>
-        <c:crosses val="autoZero"/>
-        <c:crossBetween val="midCat"/>
-      </c:valAx>
-      <c:valAx>
-        <c:axId val="1684636591"/>
-        <c:scaling>
-          <c:logBase val="10"/>
-          <c:orientation val="minMax"/>
-        </c:scaling>
-        <c:delete val="0"/>
-        <c:axPos val="l"/>
-        <c:majorGridlines>
-          <c:spPr>
-            <a:ln w="9525" cap="flat" cmpd="sng" algn="ctr">
-              <a:solidFill>
-                <a:schemeClr val="tx1">
-                  <a:lumMod val="15000"/>
-                  <a:lumOff val="85000"/>
-                </a:schemeClr>
-              </a:solidFill>
-              <a:round/>
-            </a:ln>
-            <a:effectLst/>
-          </c:spPr>
-        </c:majorGridlines>
-        <c:numFmt formatCode="General" sourceLinked="1"/>
-        <c:majorTickMark val="none"/>
-        <c:minorTickMark val="none"/>
-        <c:tickLblPos val="nextTo"/>
-        <c:spPr>
-          <a:noFill/>
-          <a:ln w="9525" cap="flat" cmpd="sng" algn="ctr">
-            <a:solidFill>
-              <a:schemeClr val="tx1">
-                <a:lumMod val="25000"/>
-                <a:lumOff val="75000"/>
-              </a:schemeClr>
-            </a:solidFill>
-            <a:round/>
-          </a:ln>
-          <a:effectLst/>
-        </c:spPr>
-        <c:txPr>
-          <a:bodyPr rot="-60000000" spcFirstLastPara="1" vertOverflow="ellipsis" vert="horz" wrap="square" anchor="ctr" anchorCtr="1"/>
-          <a:lstStyle/>
-          <a:p>
-            <a:pPr>
-              <a:defRPr sz="900" b="0" i="0" u="none" strike="noStrike" kern="1200" baseline="0">
-                <a:solidFill>
-                  <a:schemeClr val="tx1">
-                    <a:lumMod val="65000"/>
-                    <a:lumOff val="35000"/>
-                  </a:schemeClr>
-                </a:solidFill>
-                <a:latin typeface="+mn-lt"/>
-                <a:ea typeface="+mn-ea"/>
-                <a:cs typeface="+mn-cs"/>
-              </a:defRPr>
-            </a:pPr>
-            <a:endParaRPr lang="es-CO"/>
-          </a:p>
-        </c:txPr>
-        <c:crossAx val="1698880463"/>
-        <c:crosses val="autoZero"/>
-        <c:crossBetween val="midCat"/>
-      </c:valAx>
-      <c:spPr>
-        <a:noFill/>
-        <a:ln>
-          <a:noFill/>
-        </a:ln>
-        <a:effectLst/>
-      </c:spPr>
-    </c:plotArea>
-    <c:legend>
-      <c:legendPos val="b"/>
-      <c:overlay val="0"/>
-      <c:spPr>
-        <a:noFill/>
-        <a:ln>
-          <a:noFill/>
-        </a:ln>
-        <a:effectLst/>
-      </c:spPr>
-      <c:txPr>
-        <a:bodyPr rot="0" spcFirstLastPara="1" vertOverflow="ellipsis" vert="horz" wrap="square" anchor="ctr" anchorCtr="1"/>
-        <a:lstStyle/>
-        <a:p>
-          <a:pPr>
-            <a:defRPr sz="900" b="0" i="0" u="none" strike="noStrike" kern="1200" baseline="0">
-              <a:solidFill>
-                <a:schemeClr val="tx1">
-                  <a:lumMod val="65000"/>
-                  <a:lumOff val="35000"/>
-                </a:schemeClr>
-              </a:solidFill>
-              <a:latin typeface="+mn-lt"/>
-              <a:ea typeface="+mn-ea"/>
-              <a:cs typeface="+mn-cs"/>
-            </a:defRPr>
-          </a:pPr>
-          <a:endParaRPr lang="es-CO"/>
-        </a:p>
-      </c:txPr>
-    </c:legend>
-    <c:plotVisOnly val="1"/>
-    <c:dispBlanksAs val="gap"/>
-    <c:showDLblsOverMax val="0"/>
-  </c:chart>
-  <c:spPr>
-    <a:noFill/>
-    <a:ln>
-      <a:noFill/>
-    </a:ln>
-    <a:effectLst/>
-  </c:spPr>
-  <c:txPr>
-    <a:bodyPr/>
-    <a:lstStyle/>
-    <a:p>
-      <a:pPr>
-        <a:defRPr/>
-      </a:pPr>
-      <a:endParaRPr lang="es-CO"/>
-    </a:p>
-  </c:txPr>
-  <c:externalData r:id="rId3">
-    <c:autoUpdate val="0"/>
-  </c:externalData>
-</c:chartSpace>
-</file>
-
-<file path=ppt/charts/colors1.xml><?xml version="1.0" encoding="utf-8"?>
-<cs:colorStyle xmlns:cs="http://schemas.microsoft.com/office/drawing/2012/chartStyle" xmlns:a="http://schemas.openxmlformats.org/drawingml/2006/main" meth="cycle" id="10">
-  <a:schemeClr val="accent1"/>
-  <a:schemeClr val="accent2"/>
-  <a:schemeClr val="accent3"/>
-  <a:schemeClr val="accent4"/>
-  <a:schemeClr val="accent5"/>
-  <a:schemeClr val="accent6"/>
-  <cs:variation/>
-  <cs:variation>
-    <a:lumMod val="60000"/>
-  </cs:variation>
-  <cs:variation>
-    <a:lumMod val="80000"/>
-    <a:lumOff val="20000"/>
-  </cs:variation>
-  <cs:variation>
-    <a:lumMod val="80000"/>
-  </cs:variation>
-  <cs:variation>
-    <a:lumMod val="60000"/>
-    <a:lumOff val="40000"/>
-  </cs:variation>
-  <cs:variation>
-    <a:lumMod val="50000"/>
-  </cs:variation>
-  <cs:variation>
-    <a:lumMod val="70000"/>
-    <a:lumOff val="30000"/>
-  </cs:variation>
-  <cs:variation>
-    <a:lumMod val="70000"/>
-  </cs:variation>
-  <cs:variation>
-    <a:lumMod val="50000"/>
-    <a:lumOff val="50000"/>
-  </cs:variation>
-</cs:colorStyle>
-</file>
-
-<file path=ppt/charts/style1.xml><?xml version="1.0" encoding="utf-8"?>
-<cs:chartStyle xmlns:cs="http://schemas.microsoft.com/office/drawing/2012/chartStyle" xmlns:a="http://schemas.openxmlformats.org/drawingml/2006/main" id="240">
-  <cs:axisTitle>
-    <cs:lnRef idx="0"/>
-    <cs:fillRef idx="0"/>
-    <cs:effectRef idx="0"/>
-    <cs:fontRef idx="minor">
-      <a:schemeClr val="tx1">
-        <a:lumMod val="65000"/>
-        <a:lumOff val="35000"/>
-      </a:schemeClr>
-    </cs:fontRef>
-    <cs:defRPr sz="1000" kern="1200"/>
-  </cs:axisTitle>
-  <cs:categoryAxis>
-    <cs:lnRef idx="0"/>
-    <cs:fillRef idx="0"/>
-    <cs:effectRef idx="0"/>
-    <cs:fontRef idx="minor">
-      <a:schemeClr val="tx1">
-        <a:lumMod val="65000"/>
-        <a:lumOff val="35000"/>
-      </a:schemeClr>
-    </cs:fontRef>
-    <cs:spPr>
-      <a:ln w="9525" cap="flat" cmpd="sng" algn="ctr">
-        <a:solidFill>
-          <a:schemeClr val="tx1">
-            <a:lumMod val="25000"/>
-            <a:lumOff val="75000"/>
-          </a:schemeClr>
-        </a:solidFill>
-        <a:round/>
-      </a:ln>
-    </cs:spPr>
-    <cs:defRPr sz="900" kern="1200"/>
-  </cs:categoryAxis>
-  <cs:chartArea mods="allowNoFillOverride allowNoLineOverride">
-    <cs:lnRef idx="0"/>
-    <cs:fillRef idx="0"/>
-    <cs:effectRef idx="0"/>
-    <cs:fontRef idx="minor">
-      <a:schemeClr val="tx1"/>
-    </cs:fontRef>
-    <cs:spPr>
-      <a:solidFill>
-        <a:schemeClr val="bg1"/>
-      </a:solidFill>
-      <a:ln w="9525" cap="flat" cmpd="sng" algn="ctr">
-        <a:solidFill>
-          <a:schemeClr val="tx1">
-            <a:lumMod val="15000"/>
-            <a:lumOff val="85000"/>
-          </a:schemeClr>
-        </a:solidFill>
-        <a:round/>
-      </a:ln>
-    </cs:spPr>
-    <cs:defRPr sz="1000" kern="1200"/>
-  </cs:chartArea>
-  <cs:dataLabel>
-    <cs:lnRef idx="0"/>
-    <cs:fillRef idx="0"/>
-    <cs:effectRef idx="0"/>
-    <cs:fontRef idx="minor">
-      <a:schemeClr val="tx1">
-        <a:lumMod val="75000"/>
-        <a:lumOff val="25000"/>
-      </a:schemeClr>
-    </cs:fontRef>
-    <cs:defRPr sz="900" kern="1200"/>
-  </cs:dataLabel>
-  <cs:dataLabelCallout>
-    <cs:lnRef idx="0"/>
-    <cs:fillRef idx="0"/>
-    <cs:effectRef idx="0"/>
-    <cs:fontRef idx="minor">
-      <a:schemeClr val="dk1">
-        <a:lumMod val="65000"/>
-        <a:lumOff val="35000"/>
-      </a:schemeClr>
-    </cs:fontRef>
-    <cs:spPr>
-      <a:solidFill>
-        <a:schemeClr val="lt1"/>
-      </a:solidFill>
-      <a:ln>
-        <a:solidFill>
-          <a:schemeClr val="dk1">
-            <a:lumMod val="25000"/>
-            <a:lumOff val="75000"/>
-          </a:schemeClr>
-        </a:solidFill>
-      </a:ln>
-    </cs:spPr>
-    <cs:defRPr sz="900" kern="1200"/>
-    <cs:bodyPr rot="0" spcFirstLastPara="1" vertOverflow="clip" horzOverflow="clip" vert="horz" wrap="square" lIns="36576" tIns="18288" rIns="36576" bIns="18288" anchor="ctr" anchorCtr="1">
-      <a:spAutoFit/>
-    </cs:bodyPr>
-  </cs:dataLabelCallout>
-  <cs:dataPoint>
-    <cs:lnRef idx="0"/>
-    <cs:fillRef idx="1">
-      <cs:styleClr val="auto"/>
-    </cs:fillRef>
-    <cs:effectRef idx="0"/>
-    <cs:fontRef idx="minor">
-      <a:schemeClr val="tx1"/>
-    </cs:fontRef>
-  </cs:dataPoint>
-  <cs:dataPoint3D>
-    <cs:lnRef idx="0"/>
-    <cs:fillRef idx="1">
-      <cs:styleClr val="auto"/>
-    </cs:fillRef>
-    <cs:effectRef idx="0"/>
-    <cs:fontRef idx="minor">
-      <a:schemeClr val="tx1"/>
-    </cs:fontRef>
-  </cs:dataPoint3D>
-  <cs:dataPointLine>
-    <cs:lnRef idx="0">
-      <cs:styleClr val="auto"/>
-    </cs:lnRef>
-    <cs:fillRef idx="1"/>
-    <cs:effectRef idx="0"/>
-    <cs:fontRef idx="minor">
-      <a:schemeClr val="tx1"/>
-    </cs:fontRef>
-    <cs:spPr>
-      <a:ln w="19050" cap="rnd">
-        <a:solidFill>
-          <a:schemeClr val="phClr"/>
-        </a:solidFill>
-        <a:round/>
-      </a:ln>
-    </cs:spPr>
-  </cs:dataPointLine>
-  <cs:dataPointMarker>
-    <cs:lnRef idx="0">
-      <cs:styleClr val="auto"/>
-    </cs:lnRef>
-    <cs:fillRef idx="1">
-      <cs:styleClr val="auto"/>
-    </cs:fillRef>
-    <cs:effectRef idx="0"/>
-    <cs:fontRef idx="minor">
-      <a:schemeClr val="tx1"/>
-    </cs:fontRef>
-    <cs:spPr>
-      <a:ln w="9525">
-        <a:solidFill>
-          <a:schemeClr val="phClr"/>
-        </a:solidFill>
-      </a:ln>
-    </cs:spPr>
-  </cs:dataPointMarker>
-  <cs:dataPointMarkerLayout symbol="circle" size="5"/>
-  <cs:dataPointWireframe>
-    <cs:lnRef idx="0">
-      <cs:styleClr val="auto"/>
-    </cs:lnRef>
-    <cs:fillRef idx="0"/>
-    <cs:effectRef idx="0"/>
-    <cs:fontRef idx="minor">
-      <a:schemeClr val="dk1"/>
-    </cs:fontRef>
-    <cs:spPr>
-      <a:ln w="9525" cap="rnd">
-        <a:solidFill>
-          <a:schemeClr val="phClr"/>
-        </a:solidFill>
-        <a:round/>
-      </a:ln>
-    </cs:spPr>
-  </cs:dataPointWireframe>
-  <cs:dataTable>
-    <cs:lnRef idx="0"/>
-    <cs:fillRef idx="0"/>
-    <cs:effectRef idx="0"/>
-    <cs:fontRef idx="minor">
-      <a:schemeClr val="tx1">
-        <a:lumMod val="65000"/>
-        <a:lumOff val="35000"/>
-      </a:schemeClr>
-    </cs:fontRef>
-    <cs:spPr>
-      <a:noFill/>
-      <a:ln w="9525" cap="flat" cmpd="sng" algn="ctr">
-        <a:solidFill>
-          <a:schemeClr val="tx1">
-            <a:lumMod val="15000"/>
-            <a:lumOff val="85000"/>
-          </a:schemeClr>
-        </a:solidFill>
-        <a:round/>
-      </a:ln>
-    </cs:spPr>
-    <cs:defRPr sz="900" kern="1200"/>
-  </cs:dataTable>
-  <cs:downBar>
-    <cs:lnRef idx="0"/>
-    <cs:fillRef idx="0"/>
-    <cs:effectRef idx="0"/>
-    <cs:fontRef idx="minor">
-      <a:schemeClr val="tx1"/>
-    </cs:fontRef>
-    <cs:spPr>
-      <a:solidFill>
-        <a:schemeClr val="dk1">
-          <a:lumMod val="75000"/>
-          <a:lumOff val="25000"/>
-        </a:schemeClr>
-      </a:solidFill>
-      <a:ln w="9525" cap="flat" cmpd="sng" algn="ctr">
-        <a:solidFill>
-          <a:schemeClr val="tx1">
-            <a:lumMod val="65000"/>
-            <a:lumOff val="35000"/>
-          </a:schemeClr>
-        </a:solidFill>
-        <a:round/>
-      </a:ln>
-    </cs:spPr>
-  </cs:downBar>
-  <cs:dropLine>
-    <cs:lnRef idx="0"/>
-    <cs:fillRef idx="0"/>
-    <cs:effectRef idx="0"/>
-    <cs:fontRef idx="minor">
-      <a:schemeClr val="tx1"/>
-    </cs:fontRef>
-    <cs:spPr>
-      <a:ln w="9525" cap="flat" cmpd="sng" algn="ctr">
-        <a:solidFill>
-          <a:schemeClr val="tx1">
-            <a:lumMod val="35000"/>
-            <a:lumOff val="65000"/>
-          </a:schemeClr>
-        </a:solidFill>
-        <a:round/>
-      </a:ln>
-    </cs:spPr>
-  </cs:dropLine>
-  <cs:errorBar>
-    <cs:lnRef idx="0"/>
-    <cs:fillRef idx="0"/>
-    <cs:effectRef idx="0"/>
-    <cs:fontRef idx="minor">
-      <a:schemeClr val="tx1"/>
-    </cs:fontRef>
-    <cs:spPr>
-      <a:ln w="9525" cap="flat" cmpd="sng" algn="ctr">
-        <a:solidFill>
-          <a:schemeClr val="tx1">
-            <a:lumMod val="65000"/>
-            <a:lumOff val="35000"/>
-          </a:schemeClr>
-        </a:solidFill>
-        <a:round/>
-      </a:ln>
-    </cs:spPr>
-  </cs:errorBar>
-  <cs:floor>
-    <cs:lnRef idx="0"/>
-    <cs:fillRef idx="0"/>
-    <cs:effectRef idx="0"/>
-    <cs:fontRef idx="minor">
-      <a:schemeClr val="tx1"/>
-    </cs:fontRef>
-    <cs:spPr>
-      <a:noFill/>
-      <a:ln>
-        <a:noFill/>
-      </a:ln>
-    </cs:spPr>
-  </cs:floor>
-  <cs:gridlineMajor>
-    <cs:lnRef idx="0"/>
-    <cs:fillRef idx="0"/>
-    <cs:effectRef idx="0"/>
-    <cs:fontRef idx="minor">
-      <a:schemeClr val="tx1"/>
-    </cs:fontRef>
-    <cs:spPr>
-      <a:ln w="9525" cap="flat" cmpd="sng" algn="ctr">
-        <a:solidFill>
-          <a:schemeClr val="tx1">
-            <a:lumMod val="15000"/>
-            <a:lumOff val="85000"/>
-          </a:schemeClr>
-        </a:solidFill>
-        <a:round/>
-      </a:ln>
-    </cs:spPr>
-  </cs:gridlineMajor>
-  <cs:gridlineMinor>
-    <cs:lnRef idx="0"/>
-    <cs:fillRef idx="0"/>
-    <cs:effectRef idx="0"/>
-    <cs:fontRef idx="minor">
-      <a:schemeClr val="tx1"/>
-    </cs:fontRef>
-    <cs:spPr>
-      <a:ln w="9525" cap="flat" cmpd="sng" algn="ctr">
-        <a:solidFill>
-          <a:schemeClr val="tx1">
-            <a:lumMod val="5000"/>
-            <a:lumOff val="95000"/>
-          </a:schemeClr>
-        </a:solidFill>
-        <a:round/>
-      </a:ln>
-    </cs:spPr>
-  </cs:gridlineMinor>
-  <cs:hiLoLine>
-    <cs:lnRef idx="0"/>
-    <cs:fillRef idx="0"/>
-    <cs:effectRef idx="0"/>
-    <cs:fontRef idx="minor">
-      <a:schemeClr val="tx1"/>
-    </cs:fontRef>
-    <cs:spPr>
-      <a:ln w="9525" cap="flat" cmpd="sng" algn="ctr">
-        <a:solidFill>
-          <a:schemeClr val="tx1">
-            <a:lumMod val="50000"/>
-            <a:lumOff val="50000"/>
-          </a:schemeClr>
-        </a:solidFill>
-        <a:round/>
-      </a:ln>
-    </cs:spPr>
-  </cs:hiLoLine>
-  <cs:leaderLine>
-    <cs:lnRef idx="0"/>
-    <cs:fillRef idx="0"/>
-    <cs:effectRef idx="0"/>
-    <cs:fontRef idx="minor">
-      <a:schemeClr val="tx1"/>
-    </cs:fontRef>
-    <cs:spPr>
-      <a:ln w="9525" cap="flat" cmpd="sng" algn="ctr">
-        <a:solidFill>
-          <a:schemeClr val="tx1">
-            <a:lumMod val="35000"/>
-            <a:lumOff val="65000"/>
-          </a:schemeClr>
-        </a:solidFill>
-        <a:round/>
-      </a:ln>
-    </cs:spPr>
-  </cs:leaderLine>
-  <cs:legend>
-    <cs:lnRef idx="0"/>
-    <cs:fillRef idx="0"/>
-    <cs:effectRef idx="0"/>
-    <cs:fontRef idx="minor">
-      <a:schemeClr val="tx1">
-        <a:lumMod val="65000"/>
-        <a:lumOff val="35000"/>
-      </a:schemeClr>
-    </cs:fontRef>
-    <cs:defRPr sz="900" kern="1200"/>
-  </cs:legend>
-  <cs:plotArea mods="allowNoFillOverride allowNoLineOverride">
-    <cs:lnRef idx="0"/>
-    <cs:fillRef idx="0"/>
-    <cs:effectRef idx="0"/>
-    <cs:fontRef idx="minor">
-      <a:schemeClr val="tx1"/>
-    </cs:fontRef>
-  </cs:plotArea>
-  <cs:plotArea3D mods="allowNoFillOverride allowNoLineOverride">
-    <cs:lnRef idx="0"/>
-    <cs:fillRef idx="0"/>
-    <cs:effectRef idx="0"/>
-    <cs:fontRef idx="minor">
-      <a:schemeClr val="tx1"/>
-    </cs:fontRef>
-  </cs:plotArea3D>
-  <cs:seriesAxis>
-    <cs:lnRef idx="0"/>
-    <cs:fillRef idx="0"/>
-    <cs:effectRef idx="0"/>
-    <cs:fontRef idx="minor">
-      <a:schemeClr val="tx1">
-        <a:lumMod val="65000"/>
-        <a:lumOff val="35000"/>
-      </a:schemeClr>
-    </cs:fontRef>
-    <cs:defRPr sz="900" kern="1200"/>
-  </cs:seriesAxis>
-  <cs:seriesLine>
-    <cs:lnRef idx="0"/>
-    <cs:fillRef idx="0"/>
-    <cs:effectRef idx="0"/>
-    <cs:fontRef idx="minor">
-      <a:schemeClr val="tx1"/>
-    </cs:fontRef>
-    <cs:spPr>
-      <a:ln w="9525" cap="flat" cmpd="sng" algn="ctr">
-        <a:solidFill>
-          <a:schemeClr val="tx1">
-            <a:lumMod val="35000"/>
-            <a:lumOff val="65000"/>
-          </a:schemeClr>
-        </a:solidFill>
-        <a:round/>
-      </a:ln>
-    </cs:spPr>
-  </cs:seriesLine>
-  <cs:title>
-    <cs:lnRef idx="0"/>
-    <cs:fillRef idx="0"/>
-    <cs:effectRef idx="0"/>
-    <cs:fontRef idx="minor">
-      <a:schemeClr val="tx1">
-        <a:lumMod val="65000"/>
-        <a:lumOff val="35000"/>
-      </a:schemeClr>
-    </cs:fontRef>
-    <cs:defRPr sz="1400" b="0" kern="1200" spc="0" baseline="0"/>
-  </cs:title>
-  <cs:trendline>
-    <cs:lnRef idx="0">
-      <cs:styleClr val="auto"/>
-    </cs:lnRef>
-    <cs:fillRef idx="0"/>
-    <cs:effectRef idx="0"/>
-    <cs:fontRef idx="minor">
-      <a:schemeClr val="tx1"/>
-    </cs:fontRef>
-    <cs:spPr>
-      <a:ln w="19050" cap="rnd">
-        <a:solidFill>
-          <a:schemeClr val="phClr"/>
-        </a:solidFill>
-        <a:prstDash val="sysDot"/>
-      </a:ln>
-    </cs:spPr>
-  </cs:trendline>
-  <cs:trendlineLabel>
-    <cs:lnRef idx="0"/>
-    <cs:fillRef idx="0"/>
-    <cs:effectRef idx="0"/>
-    <cs:fontRef idx="minor">
-      <a:schemeClr val="tx1">
-        <a:lumMod val="65000"/>
-        <a:lumOff val="35000"/>
-      </a:schemeClr>
-    </cs:fontRef>
-    <cs:defRPr sz="900" kern="1200"/>
-  </cs:trendlineLabel>
-  <cs:upBar>
-    <cs:lnRef idx="0"/>
-    <cs:fillRef idx="0"/>
-    <cs:effectRef idx="0"/>
-    <cs:fontRef idx="minor">
-      <a:schemeClr val="tx1"/>
-    </cs:fontRef>
-    <cs:spPr>
-      <a:solidFill>
-        <a:schemeClr val="lt1"/>
-      </a:solidFill>
-      <a:ln w="9525" cap="flat" cmpd="sng" algn="ctr">
-        <a:solidFill>
-          <a:schemeClr val="tx1">
-            <a:lumMod val="65000"/>
-            <a:lumOff val="35000"/>
-          </a:schemeClr>
-        </a:solidFill>
-        <a:round/>
-      </a:ln>
-    </cs:spPr>
-  </cs:upBar>
-  <cs:valueAxis>
-    <cs:lnRef idx="0"/>
-    <cs:fillRef idx="0"/>
-    <cs:effectRef idx="0"/>
-    <cs:fontRef idx="minor">
-      <a:schemeClr val="tx1">
-        <a:lumMod val="65000"/>
-        <a:lumOff val="35000"/>
-      </a:schemeClr>
-    </cs:fontRef>
-    <cs:spPr>
-      <a:ln w="9525" cap="flat" cmpd="sng" algn="ctr">
-        <a:solidFill>
-          <a:schemeClr val="tx1">
-            <a:lumMod val="25000"/>
-            <a:lumOff val="75000"/>
-          </a:schemeClr>
-        </a:solidFill>
-        <a:round/>
-      </a:ln>
-    </cs:spPr>
-    <cs:defRPr sz="900" kern="1200"/>
-  </cs:valueAxis>
-  <cs:wall>
-    <cs:lnRef idx="0"/>
-    <cs:fillRef idx="0"/>
-    <cs:effectRef idx="0"/>
-    <cs:fontRef idx="minor">
-      <a:schemeClr val="tx1"/>
-    </cs:fontRef>
-    <cs:spPr>
-      <a:noFill/>
-      <a:ln>
-        <a:noFill/>
-      </a:ln>
-    </cs:spPr>
-  </cs:wall>
-</cs:chartStyle>
-</file>
-
 <file path=ppt/notesMasters/notesMaster1.xml><?xml version="1.0" encoding="utf-8"?>
 <p:notesMaster xmlns:a="http://schemas.openxmlformats.org/drawingml/2006/main" xmlns:r="http://schemas.openxmlformats.org/officeDocument/2006/relationships" xmlns:p="http://schemas.openxmlformats.org/presentationml/2006/main">
   <p:cSld>
@@ -1410,7 +225,7 @@
             <a:fld id="{51294498-86A4-4FB3-B857-52C76705F4AC}" type="datetimeFigureOut">
               <a:rPr lang="es-CO" smtClean="0"/>
               <a:pPr/>
-              <a:t>18/10/2020</a:t>
+              <a:t>16/11/2020</a:t>
             </a:fld>
             <a:endParaRPr lang="es-CO"/>
           </a:p>
@@ -1805,143 +620,7 @@
     </p:spTree>
     <p:extLst>
       <p:ext uri="{BB962C8B-B14F-4D97-AF65-F5344CB8AC3E}">
-        <p14:creationId xmlns:p14="http://schemas.microsoft.com/office/powerpoint/2010/main" val="493724235"/>
-      </p:ext>
-    </p:extLst>
-  </p:cSld>
-  <p:clrMapOvr>
-    <a:masterClrMapping/>
-  </p:clrMapOvr>
-</p:notes>
-</file>
-
-<file path=ppt/notesSlides/notesSlide10.xml><?xml version="1.0" encoding="utf-8"?>
-<p:notes xmlns:a="http://schemas.openxmlformats.org/drawingml/2006/main" xmlns:r="http://schemas.openxmlformats.org/officeDocument/2006/relationships" xmlns:p="http://schemas.openxmlformats.org/presentationml/2006/main">
-  <p:cSld>
-    <p:spTree>
-      <p:nvGrpSpPr>
-        <p:cNvPr id="1" name=""/>
-        <p:cNvGrpSpPr/>
-        <p:nvPr/>
-      </p:nvGrpSpPr>
-      <p:grpSpPr>
-        <a:xfrm>
-          <a:off x="0" y="0"/>
-          <a:ext cx="0" cy="0"/>
-          <a:chOff x="0" y="0"/>
-          <a:chExt cx="0" cy="0"/>
-        </a:xfrm>
-      </p:grpSpPr>
-      <p:sp>
-        <p:nvSpPr>
-          <p:cNvPr id="18433" name="Marcador de imagen de diapositiva 1"/>
-          <p:cNvSpPr>
-            <a:spLocks noGrp="1" noRot="1" noChangeAspect="1"/>
-          </p:cNvSpPr>
-          <p:nvPr>
-            <p:ph type="sldImg"/>
-          </p:nvPr>
-        </p:nvSpPr>
-        <p:spPr bwMode="auto">
-          <a:noFill/>
-          <a:ln>
-            <a:solidFill>
-              <a:srgbClr val="000000"/>
-            </a:solidFill>
-            <a:miter lim="800000"/>
-            <a:headEnd/>
-            <a:tailEnd/>
-          </a:ln>
-        </p:spPr>
-      </p:sp>
-      <p:sp>
-        <p:nvSpPr>
-          <p:cNvPr id="18434" name="Marcador de notas 2"/>
-          <p:cNvSpPr>
-            <a:spLocks noGrp="1"/>
-          </p:cNvSpPr>
-          <p:nvPr>
-            <p:ph type="body" idx="1"/>
-          </p:nvPr>
-        </p:nvSpPr>
-        <p:spPr bwMode="auto">
-          <a:noFill/>
-        </p:spPr>
-        <p:txBody>
-          <a:bodyPr wrap="square" numCol="1" anchor="t" anchorCtr="0" compatLnSpc="1">
-            <a:prstTxWarp prst="textNoShape">
-              <a:avLst/>
-            </a:prstTxWarp>
-          </a:bodyPr>
-          <a:lstStyle/>
-          <a:p>
-            <a:pPr>
-              <a:spcBef>
-                <a:spcPct val="0"/>
-              </a:spcBef>
-            </a:pPr>
-            <a:endParaRPr lang="es-CO"/>
-          </a:p>
-        </p:txBody>
-      </p:sp>
-      <p:sp>
-        <p:nvSpPr>
-          <p:cNvPr id="18435" name="Marcador de número de diapositiva 3"/>
-          <p:cNvSpPr>
-            <a:spLocks noGrp="1"/>
-          </p:cNvSpPr>
-          <p:nvPr>
-            <p:ph type="sldNum" sz="quarter" idx="5"/>
-          </p:nvPr>
-        </p:nvSpPr>
-        <p:spPr bwMode="auto">
-          <a:noFill/>
-          <a:ln>
-            <a:miter lim="800000"/>
-            <a:headEnd/>
-            <a:tailEnd/>
-          </a:ln>
-        </p:spPr>
-        <p:txBody>
-          <a:bodyPr wrap="square" numCol="1" anchorCtr="0" compatLnSpc="1">
-            <a:prstTxWarp prst="textNoShape">
-              <a:avLst/>
-            </a:prstTxWarp>
-          </a:bodyPr>
-          <a:lstStyle/>
-          <a:p>
-            <a:pPr fontAlgn="base">
-              <a:spcBef>
-                <a:spcPct val="0"/>
-              </a:spcBef>
-              <a:spcAft>
-                <a:spcPct val="0"/>
-              </a:spcAft>
-            </a:pPr>
-            <a:fld id="{96625341-5988-4AE4-B986-FA1F56FAA9C1}" type="slidenum">
-              <a:rPr lang="es-CO">
-                <a:cs typeface="Arial" charset="0"/>
-              </a:rPr>
-              <a:pPr fontAlgn="base">
-                <a:spcBef>
-                  <a:spcPct val="0"/>
-                </a:spcBef>
-                <a:spcAft>
-                  <a:spcPct val="0"/>
-                </a:spcAft>
-              </a:pPr>
-              <a:t>11</a:t>
-            </a:fld>
-            <a:endParaRPr lang="es-CO">
-              <a:cs typeface="Arial" charset="0"/>
-            </a:endParaRPr>
-          </a:p>
-        </p:txBody>
-      </p:sp>
-    </p:spTree>
-    <p:extLst>
-      <p:ext uri="{BB962C8B-B14F-4D97-AF65-F5344CB8AC3E}">
-        <p14:creationId xmlns:p14="http://schemas.microsoft.com/office/powerpoint/2010/main" val="1607658272"/>
+        <p14:creationId xmlns:p14="http://schemas.microsoft.com/office/powerpoint/2010/main" val="1819751667"/>
       </p:ext>
     </p:extLst>
   </p:cSld>
@@ -2077,7 +756,7 @@
     </p:spTree>
     <p:extLst>
       <p:ext uri="{BB962C8B-B14F-4D97-AF65-F5344CB8AC3E}">
-        <p14:creationId xmlns:p14="http://schemas.microsoft.com/office/powerpoint/2010/main" val="1779754913"/>
+        <p14:creationId xmlns:p14="http://schemas.microsoft.com/office/powerpoint/2010/main" val="1177715973"/>
       </p:ext>
     </p:extLst>
   </p:cSld>
@@ -2213,7 +892,7 @@
     </p:spTree>
     <p:extLst>
       <p:ext uri="{BB962C8B-B14F-4D97-AF65-F5344CB8AC3E}">
-        <p14:creationId xmlns:p14="http://schemas.microsoft.com/office/powerpoint/2010/main" val="2377473505"/>
+        <p14:creationId xmlns:p14="http://schemas.microsoft.com/office/powerpoint/2010/main" val="3433359927"/>
       </p:ext>
     </p:extLst>
   </p:cSld>
@@ -2349,7 +1028,7 @@
     </p:spTree>
     <p:extLst>
       <p:ext uri="{BB962C8B-B14F-4D97-AF65-F5344CB8AC3E}">
-        <p14:creationId xmlns:p14="http://schemas.microsoft.com/office/powerpoint/2010/main" val="1819751667"/>
+        <p14:creationId xmlns:p14="http://schemas.microsoft.com/office/powerpoint/2010/main" val="3904347917"/>
       </p:ext>
     </p:extLst>
   </p:cSld>
@@ -2485,7 +1164,7 @@
     </p:spTree>
     <p:extLst>
       <p:ext uri="{BB962C8B-B14F-4D97-AF65-F5344CB8AC3E}">
-        <p14:creationId xmlns:p14="http://schemas.microsoft.com/office/powerpoint/2010/main" val="1177715973"/>
+        <p14:creationId xmlns:p14="http://schemas.microsoft.com/office/powerpoint/2010/main" val="3130745278"/>
       </p:ext>
     </p:extLst>
   </p:cSld>
@@ -2621,7 +1300,7 @@
     </p:spTree>
     <p:extLst>
       <p:ext uri="{BB962C8B-B14F-4D97-AF65-F5344CB8AC3E}">
-        <p14:creationId xmlns:p14="http://schemas.microsoft.com/office/powerpoint/2010/main" val="3433359927"/>
+        <p14:creationId xmlns:p14="http://schemas.microsoft.com/office/powerpoint/2010/main" val="2405896778"/>
       </p:ext>
     </p:extLst>
   </p:cSld>
@@ -2757,279 +1436,7 @@
     </p:spTree>
     <p:extLst>
       <p:ext uri="{BB962C8B-B14F-4D97-AF65-F5344CB8AC3E}">
-        <p14:creationId xmlns:p14="http://schemas.microsoft.com/office/powerpoint/2010/main" val="3904347917"/>
-      </p:ext>
-    </p:extLst>
-  </p:cSld>
-  <p:clrMapOvr>
-    <a:masterClrMapping/>
-  </p:clrMapOvr>
-</p:notes>
-</file>
-
-<file path=ppt/notesSlides/notesSlide8.xml><?xml version="1.0" encoding="utf-8"?>
-<p:notes xmlns:a="http://schemas.openxmlformats.org/drawingml/2006/main" xmlns:r="http://schemas.openxmlformats.org/officeDocument/2006/relationships" xmlns:p="http://schemas.openxmlformats.org/presentationml/2006/main">
-  <p:cSld>
-    <p:spTree>
-      <p:nvGrpSpPr>
-        <p:cNvPr id="1" name=""/>
-        <p:cNvGrpSpPr/>
-        <p:nvPr/>
-      </p:nvGrpSpPr>
-      <p:grpSpPr>
-        <a:xfrm>
-          <a:off x="0" y="0"/>
-          <a:ext cx="0" cy="0"/>
-          <a:chOff x="0" y="0"/>
-          <a:chExt cx="0" cy="0"/>
-        </a:xfrm>
-      </p:grpSpPr>
-      <p:sp>
-        <p:nvSpPr>
-          <p:cNvPr id="18433" name="Marcador de imagen de diapositiva 1"/>
-          <p:cNvSpPr>
-            <a:spLocks noGrp="1" noRot="1" noChangeAspect="1"/>
-          </p:cNvSpPr>
-          <p:nvPr>
-            <p:ph type="sldImg"/>
-          </p:nvPr>
-        </p:nvSpPr>
-        <p:spPr bwMode="auto">
-          <a:noFill/>
-          <a:ln>
-            <a:solidFill>
-              <a:srgbClr val="000000"/>
-            </a:solidFill>
-            <a:miter lim="800000"/>
-            <a:headEnd/>
-            <a:tailEnd/>
-          </a:ln>
-        </p:spPr>
-      </p:sp>
-      <p:sp>
-        <p:nvSpPr>
-          <p:cNvPr id="18434" name="Marcador de notas 2"/>
-          <p:cNvSpPr>
-            <a:spLocks noGrp="1"/>
-          </p:cNvSpPr>
-          <p:nvPr>
-            <p:ph type="body" idx="1"/>
-          </p:nvPr>
-        </p:nvSpPr>
-        <p:spPr bwMode="auto">
-          <a:noFill/>
-        </p:spPr>
-        <p:txBody>
-          <a:bodyPr wrap="square" numCol="1" anchor="t" anchorCtr="0" compatLnSpc="1">
-            <a:prstTxWarp prst="textNoShape">
-              <a:avLst/>
-            </a:prstTxWarp>
-          </a:bodyPr>
-          <a:lstStyle/>
-          <a:p>
-            <a:pPr>
-              <a:spcBef>
-                <a:spcPct val="0"/>
-              </a:spcBef>
-            </a:pPr>
-            <a:endParaRPr lang="es-CO"/>
-          </a:p>
-        </p:txBody>
-      </p:sp>
-      <p:sp>
-        <p:nvSpPr>
-          <p:cNvPr id="18435" name="Marcador de número de diapositiva 3"/>
-          <p:cNvSpPr>
-            <a:spLocks noGrp="1"/>
-          </p:cNvSpPr>
-          <p:nvPr>
-            <p:ph type="sldNum" sz="quarter" idx="5"/>
-          </p:nvPr>
-        </p:nvSpPr>
-        <p:spPr bwMode="auto">
-          <a:noFill/>
-          <a:ln>
-            <a:miter lim="800000"/>
-            <a:headEnd/>
-            <a:tailEnd/>
-          </a:ln>
-        </p:spPr>
-        <p:txBody>
-          <a:bodyPr wrap="square" numCol="1" anchorCtr="0" compatLnSpc="1">
-            <a:prstTxWarp prst="textNoShape">
-              <a:avLst/>
-            </a:prstTxWarp>
-          </a:bodyPr>
-          <a:lstStyle/>
-          <a:p>
-            <a:pPr fontAlgn="base">
-              <a:spcBef>
-                <a:spcPct val="0"/>
-              </a:spcBef>
-              <a:spcAft>
-                <a:spcPct val="0"/>
-              </a:spcAft>
-            </a:pPr>
-            <a:fld id="{96625341-5988-4AE4-B986-FA1F56FAA9C1}" type="slidenum">
-              <a:rPr lang="es-CO">
-                <a:cs typeface="Arial" charset="0"/>
-              </a:rPr>
-              <a:pPr fontAlgn="base">
-                <a:spcBef>
-                  <a:spcPct val="0"/>
-                </a:spcBef>
-                <a:spcAft>
-                  <a:spcPct val="0"/>
-                </a:spcAft>
-              </a:pPr>
-              <a:t>9</a:t>
-            </a:fld>
-            <a:endParaRPr lang="es-CO">
-              <a:cs typeface="Arial" charset="0"/>
-            </a:endParaRPr>
-          </a:p>
-        </p:txBody>
-      </p:sp>
-    </p:spTree>
-    <p:extLst>
-      <p:ext uri="{BB962C8B-B14F-4D97-AF65-F5344CB8AC3E}">
-        <p14:creationId xmlns:p14="http://schemas.microsoft.com/office/powerpoint/2010/main" val="3130745278"/>
-      </p:ext>
-    </p:extLst>
-  </p:cSld>
-  <p:clrMapOvr>
-    <a:masterClrMapping/>
-  </p:clrMapOvr>
-</p:notes>
-</file>
-
-<file path=ppt/notesSlides/notesSlide9.xml><?xml version="1.0" encoding="utf-8"?>
-<p:notes xmlns:a="http://schemas.openxmlformats.org/drawingml/2006/main" xmlns:r="http://schemas.openxmlformats.org/officeDocument/2006/relationships" xmlns:p="http://schemas.openxmlformats.org/presentationml/2006/main">
-  <p:cSld>
-    <p:spTree>
-      <p:nvGrpSpPr>
-        <p:cNvPr id="1" name=""/>
-        <p:cNvGrpSpPr/>
-        <p:nvPr/>
-      </p:nvGrpSpPr>
-      <p:grpSpPr>
-        <a:xfrm>
-          <a:off x="0" y="0"/>
-          <a:ext cx="0" cy="0"/>
-          <a:chOff x="0" y="0"/>
-          <a:chExt cx="0" cy="0"/>
-        </a:xfrm>
-      </p:grpSpPr>
-      <p:sp>
-        <p:nvSpPr>
-          <p:cNvPr id="18433" name="Marcador de imagen de diapositiva 1"/>
-          <p:cNvSpPr>
-            <a:spLocks noGrp="1" noRot="1" noChangeAspect="1"/>
-          </p:cNvSpPr>
-          <p:nvPr>
-            <p:ph type="sldImg"/>
-          </p:nvPr>
-        </p:nvSpPr>
-        <p:spPr bwMode="auto">
-          <a:noFill/>
-          <a:ln>
-            <a:solidFill>
-              <a:srgbClr val="000000"/>
-            </a:solidFill>
-            <a:miter lim="800000"/>
-            <a:headEnd/>
-            <a:tailEnd/>
-          </a:ln>
-        </p:spPr>
-      </p:sp>
-      <p:sp>
-        <p:nvSpPr>
-          <p:cNvPr id="18434" name="Marcador de notas 2"/>
-          <p:cNvSpPr>
-            <a:spLocks noGrp="1"/>
-          </p:cNvSpPr>
-          <p:nvPr>
-            <p:ph type="body" idx="1"/>
-          </p:nvPr>
-        </p:nvSpPr>
-        <p:spPr bwMode="auto">
-          <a:noFill/>
-        </p:spPr>
-        <p:txBody>
-          <a:bodyPr wrap="square" numCol="1" anchor="t" anchorCtr="0" compatLnSpc="1">
-            <a:prstTxWarp prst="textNoShape">
-              <a:avLst/>
-            </a:prstTxWarp>
-          </a:bodyPr>
-          <a:lstStyle/>
-          <a:p>
-            <a:pPr>
-              <a:spcBef>
-                <a:spcPct val="0"/>
-              </a:spcBef>
-            </a:pPr>
-            <a:endParaRPr lang="es-CO"/>
-          </a:p>
-        </p:txBody>
-      </p:sp>
-      <p:sp>
-        <p:nvSpPr>
-          <p:cNvPr id="18435" name="Marcador de número de diapositiva 3"/>
-          <p:cNvSpPr>
-            <a:spLocks noGrp="1"/>
-          </p:cNvSpPr>
-          <p:nvPr>
-            <p:ph type="sldNum" sz="quarter" idx="5"/>
-          </p:nvPr>
-        </p:nvSpPr>
-        <p:spPr bwMode="auto">
-          <a:noFill/>
-          <a:ln>
-            <a:miter lim="800000"/>
-            <a:headEnd/>
-            <a:tailEnd/>
-          </a:ln>
-        </p:spPr>
-        <p:txBody>
-          <a:bodyPr wrap="square" numCol="1" anchorCtr="0" compatLnSpc="1">
-            <a:prstTxWarp prst="textNoShape">
-              <a:avLst/>
-            </a:prstTxWarp>
-          </a:bodyPr>
-          <a:lstStyle/>
-          <a:p>
-            <a:pPr fontAlgn="base">
-              <a:spcBef>
-                <a:spcPct val="0"/>
-              </a:spcBef>
-              <a:spcAft>
-                <a:spcPct val="0"/>
-              </a:spcAft>
-            </a:pPr>
-            <a:fld id="{96625341-5988-4AE4-B986-FA1F56FAA9C1}" type="slidenum">
-              <a:rPr lang="es-CO">
-                <a:cs typeface="Arial" charset="0"/>
-              </a:rPr>
-              <a:pPr fontAlgn="base">
-                <a:spcBef>
-                  <a:spcPct val="0"/>
-                </a:spcBef>
-                <a:spcAft>
-                  <a:spcPct val="0"/>
-                </a:spcAft>
-              </a:pPr>
-              <a:t>10</a:t>
-            </a:fld>
-            <a:endParaRPr lang="es-CO">
-              <a:cs typeface="Arial" charset="0"/>
-            </a:endParaRPr>
-          </a:p>
-        </p:txBody>
-      </p:sp>
-    </p:spTree>
-    <p:extLst>
-      <p:ext uri="{BB962C8B-B14F-4D97-AF65-F5344CB8AC3E}">
-        <p14:creationId xmlns:p14="http://schemas.microsoft.com/office/powerpoint/2010/main" val="2405896778"/>
+        <p14:creationId xmlns:p14="http://schemas.microsoft.com/office/powerpoint/2010/main" val="1607658272"/>
       </p:ext>
     </p:extLst>
   </p:cSld>
@@ -3221,7 +1628,7 @@
             <a:fld id="{D0C34E27-73A6-4DC7-A6F8-418FCC4E1301}" type="datetimeFigureOut">
               <a:rPr lang="es-CO" smtClean="0"/>
               <a:pPr/>
-              <a:t>18/10/2020</a:t>
+              <a:t>16/11/2020</a:t>
             </a:fld>
             <a:endParaRPr lang="es-CO"/>
           </a:p>
@@ -3393,7 +1800,7 @@
             <a:fld id="{D0C34E27-73A6-4DC7-A6F8-418FCC4E1301}" type="datetimeFigureOut">
               <a:rPr lang="es-CO" smtClean="0"/>
               <a:pPr/>
-              <a:t>18/10/2020</a:t>
+              <a:t>16/11/2020</a:t>
             </a:fld>
             <a:endParaRPr lang="es-CO"/>
           </a:p>
@@ -3575,7 +1982,7 @@
             <a:fld id="{D0C34E27-73A6-4DC7-A6F8-418FCC4E1301}" type="datetimeFigureOut">
               <a:rPr lang="es-CO" smtClean="0"/>
               <a:pPr/>
-              <a:t>18/10/2020</a:t>
+              <a:t>16/11/2020</a:t>
             </a:fld>
             <a:endParaRPr lang="es-CO"/>
           </a:p>
@@ -3747,7 +2154,7 @@
             <a:fld id="{D0C34E27-73A6-4DC7-A6F8-418FCC4E1301}" type="datetimeFigureOut">
               <a:rPr lang="es-CO" smtClean="0"/>
               <a:pPr/>
-              <a:t>18/10/2020</a:t>
+              <a:t>16/11/2020</a:t>
             </a:fld>
             <a:endParaRPr lang="es-CO"/>
           </a:p>
@@ -3995,7 +2402,7 @@
             <a:fld id="{D0C34E27-73A6-4DC7-A6F8-418FCC4E1301}" type="datetimeFigureOut">
               <a:rPr lang="es-CO" smtClean="0"/>
               <a:pPr/>
-              <a:t>18/10/2020</a:t>
+              <a:t>16/11/2020</a:t>
             </a:fld>
             <a:endParaRPr lang="es-CO"/>
           </a:p>
@@ -4285,7 +2692,7 @@
             <a:fld id="{D0C34E27-73A6-4DC7-A6F8-418FCC4E1301}" type="datetimeFigureOut">
               <a:rPr lang="es-CO" smtClean="0"/>
               <a:pPr/>
-              <a:t>18/10/2020</a:t>
+              <a:t>16/11/2020</a:t>
             </a:fld>
             <a:endParaRPr lang="es-CO"/>
           </a:p>
@@ -4709,7 +3116,7 @@
             <a:fld id="{D0C34E27-73A6-4DC7-A6F8-418FCC4E1301}" type="datetimeFigureOut">
               <a:rPr lang="es-CO" smtClean="0"/>
               <a:pPr/>
-              <a:t>18/10/2020</a:t>
+              <a:t>16/11/2020</a:t>
             </a:fld>
             <a:endParaRPr lang="es-CO"/>
           </a:p>
@@ -4829,7 +3236,7 @@
             <a:fld id="{D0C34E27-73A6-4DC7-A6F8-418FCC4E1301}" type="datetimeFigureOut">
               <a:rPr lang="es-CO" smtClean="0"/>
               <a:pPr/>
-              <a:t>18/10/2020</a:t>
+              <a:t>16/11/2020</a:t>
             </a:fld>
             <a:endParaRPr lang="es-CO"/>
           </a:p>
@@ -4926,7 +3333,7 @@
             <a:fld id="{D0C34E27-73A6-4DC7-A6F8-418FCC4E1301}" type="datetimeFigureOut">
               <a:rPr lang="es-CO" smtClean="0"/>
               <a:pPr/>
-              <a:t>18/10/2020</a:t>
+              <a:t>16/11/2020</a:t>
             </a:fld>
             <a:endParaRPr lang="es-CO"/>
           </a:p>
@@ -5205,7 +3612,7 @@
             <a:fld id="{D0C34E27-73A6-4DC7-A6F8-418FCC4E1301}" type="datetimeFigureOut">
               <a:rPr lang="es-CO" smtClean="0"/>
               <a:pPr/>
-              <a:t>18/10/2020</a:t>
+              <a:t>16/11/2020</a:t>
             </a:fld>
             <a:endParaRPr lang="es-CO"/>
           </a:p>
@@ -5460,7 +3867,7 @@
             <a:fld id="{D0C34E27-73A6-4DC7-A6F8-418FCC4E1301}" type="datetimeFigureOut">
               <a:rPr lang="es-CO" smtClean="0"/>
               <a:pPr/>
-              <a:t>18/10/2020</a:t>
+              <a:t>16/11/2020</a:t>
             </a:fld>
             <a:endParaRPr lang="es-CO"/>
           </a:p>
@@ -5675,7 +4082,7 @@
             <a:fld id="{D0C34E27-73A6-4DC7-A6F8-418FCC4E1301}" type="datetimeFigureOut">
               <a:rPr lang="es-CO" smtClean="0"/>
               <a:pPr/>
-              <a:t>18/10/2020</a:t>
+              <a:t>16/11/2020</a:t>
             </a:fld>
             <a:endParaRPr lang="es-CO"/>
           </a:p>
@@ -6277,410 +4684,6 @@
 </p:sld>
 </file>
 
-<file path=ppt/slides/slide10.xml><?xml version="1.0" encoding="utf-8"?>
-<p:sld xmlns:a="http://schemas.openxmlformats.org/drawingml/2006/main" xmlns:r="http://schemas.openxmlformats.org/officeDocument/2006/relationships" xmlns:p="http://schemas.openxmlformats.org/presentationml/2006/main">
-  <p:cSld>
-    <p:spTree>
-      <p:nvGrpSpPr>
-        <p:cNvPr id="1" name=""/>
-        <p:cNvGrpSpPr/>
-        <p:nvPr/>
-      </p:nvGrpSpPr>
-      <p:grpSpPr>
-        <a:xfrm>
-          <a:off x="0" y="0"/>
-          <a:ext cx="0" cy="0"/>
-          <a:chOff x="0" y="0"/>
-          <a:chExt cx="0" cy="0"/>
-        </a:xfrm>
-      </p:grpSpPr>
-      <p:pic>
-        <p:nvPicPr>
-          <p:cNvPr id="17410" name="Picture 4"/>
-          <p:cNvPicPr>
-            <a:picLocks noChangeAspect="1" noChangeArrowheads="1"/>
-          </p:cNvPicPr>
-          <p:nvPr/>
-        </p:nvPicPr>
-        <p:blipFill>
-          <a:blip r:embed="rId3" cstate="print"/>
-          <a:srcRect r="2518" b="-18422"/>
-          <a:stretch>
-            <a:fillRect/>
-          </a:stretch>
-        </p:blipFill>
-        <p:spPr bwMode="auto">
-          <a:xfrm>
-            <a:off x="414338" y="1071563"/>
-            <a:ext cx="8301037" cy="214312"/>
-          </a:xfrm>
-          <a:prstGeom prst="rect">
-            <a:avLst/>
-          </a:prstGeom>
-          <a:noFill/>
-          <a:ln w="9525">
-            <a:noFill/>
-            <a:miter lim="800000"/>
-            <a:headEnd/>
-            <a:tailEnd/>
-          </a:ln>
-        </p:spPr>
-      </p:pic>
-      <p:pic>
-        <p:nvPicPr>
-          <p:cNvPr id="17411" name="Picture 5"/>
-          <p:cNvPicPr>
-            <a:picLocks noChangeAspect="1" noChangeArrowheads="1"/>
-          </p:cNvPicPr>
-          <p:nvPr/>
-        </p:nvPicPr>
-        <p:blipFill>
-          <a:blip r:embed="rId4" cstate="print"/>
-          <a:srcRect/>
-          <a:stretch>
-            <a:fillRect/>
-          </a:stretch>
-        </p:blipFill>
-        <p:spPr bwMode="auto">
-          <a:xfrm>
-            <a:off x="409575" y="1357313"/>
-            <a:ext cx="304800" cy="428625"/>
-          </a:xfrm>
-          <a:prstGeom prst="rect">
-            <a:avLst/>
-          </a:prstGeom>
-          <a:noFill/>
-          <a:ln w="9525">
-            <a:noFill/>
-            <a:miter lim="800000"/>
-            <a:headEnd/>
-            <a:tailEnd/>
-          </a:ln>
-        </p:spPr>
-      </p:pic>
-      <p:sp>
-        <p:nvSpPr>
-          <p:cNvPr id="17412" name="Título 1"/>
-          <p:cNvSpPr txBox="1">
-            <a:spLocks/>
-          </p:cNvSpPr>
-          <p:nvPr/>
-        </p:nvSpPr>
-        <p:spPr bwMode="auto">
-          <a:xfrm>
-            <a:off x="848324" y="1285875"/>
-            <a:ext cx="8286751" cy="774700"/>
-          </a:xfrm>
-          <a:prstGeom prst="rect">
-            <a:avLst/>
-          </a:prstGeom>
-          <a:noFill/>
-          <a:ln w="9525">
-            <a:noFill/>
-            <a:miter lim="800000"/>
-            <a:headEnd/>
-            <a:tailEnd/>
-          </a:ln>
-        </p:spPr>
-        <p:txBody>
-          <a:bodyPr anchor="ctr"/>
-          <a:lstStyle/>
-          <a:p>
-            <a:r>
-              <a:rPr lang="es-CO" sz="2200" b="1">
-                <a:latin typeface="Albertus" pitchFamily="34" charset="0"/>
-              </a:rPr>
-              <a:t>RefQueue Vs Queue</a:t>
-            </a:r>
-          </a:p>
-        </p:txBody>
-      </p:sp>
-      <p:pic>
-        <p:nvPicPr>
-          <p:cNvPr id="9" name="Imagen 8"/>
-          <p:cNvPicPr>
-            <a:picLocks noChangeAspect="1"/>
-          </p:cNvPicPr>
-          <p:nvPr/>
-        </p:nvPicPr>
-        <p:blipFill>
-          <a:blip r:embed="rId5" cstate="print">
-            <a:extLst>
-              <a:ext uri="{28A0092B-C50C-407E-A947-70E740481C1C}">
-                <a14:useLocalDpi xmlns:a14="http://schemas.microsoft.com/office/drawing/2010/main" val="0"/>
-              </a:ext>
-            </a:extLst>
-          </a:blip>
-          <a:stretch>
-            <a:fillRect/>
-          </a:stretch>
-        </p:blipFill>
-        <p:spPr>
-          <a:xfrm>
-            <a:off x="6588224" y="51848"/>
-            <a:ext cx="1907456" cy="844123"/>
-          </a:xfrm>
-          <a:prstGeom prst="rect">
-            <a:avLst/>
-          </a:prstGeom>
-        </p:spPr>
-      </p:pic>
-      <p:graphicFrame>
-        <p:nvGraphicFramePr>
-          <p:cNvPr id="8" name="Gráfico 7">
-            <a:extLst>
-              <a:ext uri="{FF2B5EF4-FFF2-40B4-BE49-F238E27FC236}">
-                <a16:creationId xmlns:a16="http://schemas.microsoft.com/office/drawing/2014/main" id="{3C67FFBC-4E61-4337-8ACD-5FA6224E6208}"/>
-              </a:ext>
-            </a:extLst>
-          </p:cNvPr>
-          <p:cNvGraphicFramePr>
-            <a:graphicFrameLocks/>
-          </p:cNvGraphicFramePr>
-          <p:nvPr>
-            <p:extLst>
-              <p:ext uri="{D42A27DB-BD31-4B8C-83A1-F6EECF244321}">
-                <p14:modId xmlns:p14="http://schemas.microsoft.com/office/powerpoint/2010/main" val="2556373595"/>
-              </p:ext>
-            </p:extLst>
-          </p:nvPr>
-        </p:nvGraphicFramePr>
-        <p:xfrm>
-          <a:off x="813166" y="2241619"/>
-          <a:ext cx="7947451" cy="4032465"/>
-        </p:xfrm>
-        <a:graphic>
-          <a:graphicData uri="http://schemas.openxmlformats.org/drawingml/2006/chart">
-            <c:chart xmlns:c="http://schemas.openxmlformats.org/drawingml/2006/chart" xmlns:r="http://schemas.openxmlformats.org/officeDocument/2006/relationships" r:id="rId6"/>
-          </a:graphicData>
-        </a:graphic>
-      </p:graphicFrame>
-    </p:spTree>
-    <p:extLst>
-      <p:ext uri="{BB962C8B-B14F-4D97-AF65-F5344CB8AC3E}">
-        <p14:creationId xmlns:p14="http://schemas.microsoft.com/office/powerpoint/2010/main" val="2089851179"/>
-      </p:ext>
-    </p:extLst>
-  </p:cSld>
-  <p:clrMapOvr>
-    <a:masterClrMapping/>
-  </p:clrMapOvr>
-</p:sld>
-</file>
-
-<file path=ppt/slides/slide11.xml><?xml version="1.0" encoding="utf-8"?>
-<p:sld xmlns:a="http://schemas.openxmlformats.org/drawingml/2006/main" xmlns:r="http://schemas.openxmlformats.org/officeDocument/2006/relationships" xmlns:p="http://schemas.openxmlformats.org/presentationml/2006/main">
-  <p:cSld>
-    <p:spTree>
-      <p:nvGrpSpPr>
-        <p:cNvPr id="1" name=""/>
-        <p:cNvGrpSpPr/>
-        <p:nvPr/>
-      </p:nvGrpSpPr>
-      <p:grpSpPr>
-        <a:xfrm>
-          <a:off x="0" y="0"/>
-          <a:ext cx="0" cy="0"/>
-          <a:chOff x="0" y="0"/>
-          <a:chExt cx="0" cy="0"/>
-        </a:xfrm>
-      </p:grpSpPr>
-      <p:pic>
-        <p:nvPicPr>
-          <p:cNvPr id="17410" name="Picture 4"/>
-          <p:cNvPicPr>
-            <a:picLocks noChangeAspect="1" noChangeArrowheads="1"/>
-          </p:cNvPicPr>
-          <p:nvPr/>
-        </p:nvPicPr>
-        <p:blipFill>
-          <a:blip r:embed="rId3" cstate="print"/>
-          <a:srcRect r="2518" b="-18422"/>
-          <a:stretch>
-            <a:fillRect/>
-          </a:stretch>
-        </p:blipFill>
-        <p:spPr bwMode="auto">
-          <a:xfrm>
-            <a:off x="414338" y="1071563"/>
-            <a:ext cx="8301037" cy="214312"/>
-          </a:xfrm>
-          <a:prstGeom prst="rect">
-            <a:avLst/>
-          </a:prstGeom>
-          <a:noFill/>
-          <a:ln w="9525">
-            <a:noFill/>
-            <a:miter lim="800000"/>
-            <a:headEnd/>
-            <a:tailEnd/>
-          </a:ln>
-        </p:spPr>
-      </p:pic>
-      <p:pic>
-        <p:nvPicPr>
-          <p:cNvPr id="17411" name="Picture 5"/>
-          <p:cNvPicPr>
-            <a:picLocks noChangeAspect="1" noChangeArrowheads="1"/>
-          </p:cNvPicPr>
-          <p:nvPr/>
-        </p:nvPicPr>
-        <p:blipFill>
-          <a:blip r:embed="rId4" cstate="print"/>
-          <a:srcRect/>
-          <a:stretch>
-            <a:fillRect/>
-          </a:stretch>
-        </p:blipFill>
-        <p:spPr bwMode="auto">
-          <a:xfrm>
-            <a:off x="414338" y="1405875"/>
-            <a:ext cx="304800" cy="428625"/>
-          </a:xfrm>
-          <a:prstGeom prst="rect">
-            <a:avLst/>
-          </a:prstGeom>
-          <a:noFill/>
-          <a:ln w="9525">
-            <a:noFill/>
-            <a:miter lim="800000"/>
-            <a:headEnd/>
-            <a:tailEnd/>
-          </a:ln>
-        </p:spPr>
-      </p:pic>
-      <p:sp>
-        <p:nvSpPr>
-          <p:cNvPr id="17412" name="Título 1"/>
-          <p:cNvSpPr txBox="1">
-            <a:spLocks/>
-          </p:cNvSpPr>
-          <p:nvPr/>
-        </p:nvSpPr>
-        <p:spPr bwMode="auto">
-          <a:xfrm>
-            <a:off x="714375" y="1178719"/>
-            <a:ext cx="8286751" cy="774700"/>
-          </a:xfrm>
-          <a:prstGeom prst="rect">
-            <a:avLst/>
-          </a:prstGeom>
-          <a:noFill/>
-          <a:ln w="9525">
-            <a:noFill/>
-            <a:miter lim="800000"/>
-            <a:headEnd/>
-            <a:tailEnd/>
-          </a:ln>
-        </p:spPr>
-        <p:txBody>
-          <a:bodyPr anchor="ctr"/>
-          <a:lstStyle/>
-          <a:p>
-            <a:r>
-              <a:rPr lang="es-ES" sz="2200" b="1">
-                <a:latin typeface="Albertus" pitchFamily="34" charset="0"/>
-              </a:rPr>
-              <a:t>C</a:t>
-            </a:r>
-            <a:r>
-              <a:rPr lang="es-CO" sz="2200" b="1">
-                <a:latin typeface="Albertus" pitchFamily="34" charset="0"/>
-              </a:rPr>
-              <a:t>onclusiones</a:t>
-            </a:r>
-          </a:p>
-        </p:txBody>
-      </p:sp>
-      <p:pic>
-        <p:nvPicPr>
-          <p:cNvPr id="9" name="Imagen 8"/>
-          <p:cNvPicPr>
-            <a:picLocks noChangeAspect="1"/>
-          </p:cNvPicPr>
-          <p:nvPr/>
-        </p:nvPicPr>
-        <p:blipFill>
-          <a:blip r:embed="rId5" cstate="print">
-            <a:extLst>
-              <a:ext uri="{28A0092B-C50C-407E-A947-70E740481C1C}">
-                <a14:useLocalDpi xmlns:a14="http://schemas.microsoft.com/office/drawing/2010/main" val="0"/>
-              </a:ext>
-            </a:extLst>
-          </a:blip>
-          <a:stretch>
-            <a:fillRect/>
-          </a:stretch>
-        </p:blipFill>
-        <p:spPr>
-          <a:xfrm>
-            <a:off x="6588224" y="51848"/>
-            <a:ext cx="1907456" cy="844123"/>
-          </a:xfrm>
-          <a:prstGeom prst="rect">
-            <a:avLst/>
-          </a:prstGeom>
-        </p:spPr>
-      </p:pic>
-      <p:sp>
-        <p:nvSpPr>
-          <p:cNvPr id="3" name="CuadroTexto 2">
-            <a:extLst>
-              <a:ext uri="{FF2B5EF4-FFF2-40B4-BE49-F238E27FC236}">
-                <a16:creationId xmlns:a16="http://schemas.microsoft.com/office/drawing/2014/main" id="{7E684D6A-5FAC-4781-82E8-1AF7F4F6641B}"/>
-              </a:ext>
-            </a:extLst>
-          </p:cNvPr>
-          <p:cNvSpPr txBox="1"/>
-          <p:nvPr/>
-        </p:nvSpPr>
-        <p:spPr>
-          <a:xfrm>
-            <a:off x="611560" y="2132856"/>
-            <a:ext cx="6192688" cy="1754326"/>
-          </a:xfrm>
-          <a:prstGeom prst="rect">
-            <a:avLst/>
-          </a:prstGeom>
-          <a:noFill/>
-        </p:spPr>
-        <p:txBody>
-          <a:bodyPr wrap="square" rtlCol="0">
-            <a:spAutoFit/>
-          </a:bodyPr>
-          <a:lstStyle/>
-          <a:p>
-            <a:pPr marL="285750" indent="-285750">
-              <a:buFont typeface="Arial" panose="020B0604020202020204" pitchFamily="34" charset="0"/>
-              <a:buChar char="•"/>
-            </a:pPr>
-            <a:r>
-              <a:rPr lang="es-MX"/>
-              <a:t>El tiempo de procesamiento gráfico computacional es alto, por lo que es recomendable encontrar una forma óptima para manejar estos datos, y en el uso de estructuras de datos encontrar la estructura más óptima de acuerdo a la necesidad.</a:t>
-            </a:r>
-          </a:p>
-          <a:p>
-            <a:pPr marL="285750" indent="-285750">
-              <a:buFont typeface="Arial" panose="020B0604020202020204" pitchFamily="34" charset="0"/>
-              <a:buChar char="•"/>
-            </a:pPr>
-            <a:endParaRPr lang="es-CO"/>
-          </a:p>
-        </p:txBody>
-      </p:sp>
-    </p:spTree>
-    <p:extLst>
-      <p:ext uri="{BB962C8B-B14F-4D97-AF65-F5344CB8AC3E}">
-        <p14:creationId xmlns:p14="http://schemas.microsoft.com/office/powerpoint/2010/main" val="3947213726"/>
-      </p:ext>
-    </p:extLst>
-  </p:cSld>
-  <p:clrMapOvr>
-    <a:masterClrMapping/>
-  </p:clrMapOvr>
-</p:sld>
-</file>
-
 <file path=ppt/slides/slide2.xml><?xml version="1.0" encoding="utf-8"?>
 <p:sld xmlns:a="http://schemas.openxmlformats.org/drawingml/2006/main" xmlns:r="http://schemas.openxmlformats.org/officeDocument/2006/relationships" xmlns:p="http://schemas.openxmlformats.org/presentationml/2006/main">
   <p:cSld>
@@ -6715,7 +4718,7 @@
         </p:blipFill>
         <p:spPr bwMode="auto">
           <a:xfrm>
-            <a:off x="414338" y="1071563"/>
+            <a:off x="409575" y="1061013"/>
             <a:ext cx="8301037" cy="214312"/>
           </a:xfrm>
           <a:prstGeom prst="rect">
@@ -6772,7 +4775,7 @@
         </p:nvSpPr>
         <p:spPr bwMode="auto">
           <a:xfrm>
-            <a:off x="677737" y="1398588"/>
+            <a:off x="714375" y="1248143"/>
             <a:ext cx="8286751" cy="774700"/>
           </a:xfrm>
           <a:prstGeom prst="rect">
@@ -6791,10 +4794,10 @@
           <a:lstStyle/>
           <a:p>
             <a:r>
-              <a:rPr lang="es-CO" sz="2200" b="1">
+              <a:rPr lang="es-CO" sz="2200" b="1" dirty="0">
                 <a:latin typeface="Albertus" pitchFamily="34" charset="0"/>
               </a:rPr>
-              <a:t>Problema a resolver</a:t>
+              <a:t>Avance Interfaz de Usuario</a:t>
             </a:r>
           </a:p>
         </p:txBody>
@@ -6821,7 +4824,7 @@
         </p:blipFill>
         <p:spPr>
           <a:xfrm>
-            <a:off x="6588224" y="51848"/>
+            <a:off x="6588222" y="21777"/>
             <a:ext cx="1907456" cy="844123"/>
           </a:xfrm>
           <a:prstGeom prst="rect">
@@ -6829,17 +4832,56 @@
           </a:prstGeom>
         </p:spPr>
       </p:pic>
+      <p:sp>
+        <p:nvSpPr>
+          <p:cNvPr id="4" name="CuadroTexto 3">
+            <a:extLst>
+              <a:ext uri="{FF2B5EF4-FFF2-40B4-BE49-F238E27FC236}">
+                <a16:creationId xmlns:a16="http://schemas.microsoft.com/office/drawing/2014/main" id="{B76553F6-5AD3-4130-AEAA-9F5548E2F4B7}"/>
+              </a:ext>
+            </a:extLst>
+          </p:cNvPr>
+          <p:cNvSpPr txBox="1"/>
+          <p:nvPr/>
+        </p:nvSpPr>
+        <p:spPr>
+          <a:xfrm>
+            <a:off x="769615" y="2770361"/>
+            <a:ext cx="3802385" cy="738664"/>
+          </a:xfrm>
+          <a:prstGeom prst="rect">
+            <a:avLst/>
+          </a:prstGeom>
+          <a:noFill/>
+        </p:spPr>
+        <p:txBody>
+          <a:bodyPr wrap="square" rtlCol="0">
+            <a:spAutoFit/>
+          </a:bodyPr>
+          <a:lstStyle/>
+          <a:p>
+            <a:pPr marL="285750" indent="-285750">
+              <a:buFont typeface="Arial" panose="020B0604020202020204" pitchFamily="34" charset="0"/>
+              <a:buChar char="•"/>
+            </a:pPr>
+            <a:endParaRPr lang="es-CO" sz="2400" dirty="0"/>
+          </a:p>
+          <a:p>
+            <a:endParaRPr lang="es-CO" dirty="0"/>
+          </a:p>
+        </p:txBody>
+      </p:sp>
       <p:pic>
         <p:nvPicPr>
-          <p:cNvPr id="1026" name="Picture 2" descr="Herramienta: Wolfram alpha » Recursos educativos digitales">
+          <p:cNvPr id="5" name="Imagen 4" descr="Imagen que contiene Gráfico, Diagrama&#10;&#10;Descripción generada automáticamente">
             <a:extLst>
               <a:ext uri="{FF2B5EF4-FFF2-40B4-BE49-F238E27FC236}">
-                <a16:creationId xmlns:a16="http://schemas.microsoft.com/office/drawing/2014/main" id="{9DDBFE40-D4C4-4A03-A466-80D1F6A28E8A}"/>
+                <a16:creationId xmlns:a16="http://schemas.microsoft.com/office/drawing/2014/main" id="{B5F47BC3-50F4-4294-9974-0E614E2F12FE}"/>
               </a:ext>
             </a:extLst>
           </p:cNvPr>
           <p:cNvPicPr>
-            <a:picLocks noChangeAspect="1" noChangeArrowheads="1"/>
+            <a:picLocks noChangeAspect="1"/>
           </p:cNvPicPr>
           <p:nvPr/>
         </p:nvPicPr>
@@ -6851,42 +4893,31 @@
               </a:ext>
             </a:extLst>
           </a:blip>
-          <a:srcRect/>
           <a:stretch>
             <a:fillRect/>
           </a:stretch>
         </p:blipFill>
-        <p:spPr bwMode="auto">
-          <a:xfrm>
-            <a:off x="6291098" y="4566670"/>
-            <a:ext cx="1905000" cy="1905000"/>
+        <p:spPr>
+          <a:xfrm>
+            <a:off x="4572000" y="3834008"/>
+            <a:ext cx="4429126" cy="2637681"/>
           </a:xfrm>
           <a:prstGeom prst="rect">
             <a:avLst/>
           </a:prstGeom>
-          <a:noFill/>
-          <a:extLst>
-            <a:ext uri="{909E8E84-426E-40DD-AFC4-6F175D3DCCD1}">
-              <a14:hiddenFill xmlns:a14="http://schemas.microsoft.com/office/drawing/2010/main">
-                <a:solidFill>
-                  <a:srgbClr val="FFFFFF"/>
-                </a:solidFill>
-              </a14:hiddenFill>
-            </a:ext>
-          </a:extLst>
         </p:spPr>
       </p:pic>
       <p:pic>
         <p:nvPicPr>
-          <p:cNvPr id="1028" name="Picture 4" descr="Calculadora gráfica - GeoGebra">
+          <p:cNvPr id="7" name="Imagen 6" descr="Imagen que contiene Gráfico&#10;&#10;Descripción generada automáticamente">
             <a:extLst>
               <a:ext uri="{FF2B5EF4-FFF2-40B4-BE49-F238E27FC236}">
-                <a16:creationId xmlns:a16="http://schemas.microsoft.com/office/drawing/2014/main" id="{E39C4408-2E96-4DB6-ACF4-E6785199063B}"/>
+                <a16:creationId xmlns:a16="http://schemas.microsoft.com/office/drawing/2014/main" id="{3E0E1914-8928-419A-A5B7-B178FDA9D667}"/>
               </a:ext>
             </a:extLst>
           </p:cNvPr>
           <p:cNvPicPr>
-            <a:picLocks noChangeAspect="1" noChangeArrowheads="1"/>
+            <a:picLocks noChangeAspect="1"/>
           </p:cNvPicPr>
           <p:nvPr/>
         </p:nvPicPr>
@@ -6898,121 +4929,24 @@
               </a:ext>
             </a:extLst>
           </a:blip>
-          <a:srcRect/>
           <a:stretch>
             <a:fillRect/>
           </a:stretch>
         </p:blipFill>
-        <p:spPr bwMode="auto">
-          <a:xfrm>
-            <a:off x="684782" y="4149080"/>
-            <a:ext cx="4038600" cy="1133475"/>
+        <p:spPr>
+          <a:xfrm>
+            <a:off x="409575" y="1891584"/>
+            <a:ext cx="4162425" cy="2470571"/>
           </a:xfrm>
           <a:prstGeom prst="rect">
             <a:avLst/>
           </a:prstGeom>
-          <a:noFill/>
-          <a:extLst>
-            <a:ext uri="{909E8E84-426E-40DD-AFC4-6F175D3DCCD1}">
-              <a14:hiddenFill xmlns:a14="http://schemas.microsoft.com/office/drawing/2010/main">
-                <a:solidFill>
-                  <a:srgbClr val="FFFFFF"/>
-                </a:solidFill>
-              </a14:hiddenFill>
-            </a:ext>
-          </a:extLst>
         </p:spPr>
       </p:pic>
-      <p:pic>
-        <p:nvPicPr>
-          <p:cNvPr id="1030" name="Picture 6" descr="MATLAB - Wikipedia, la enciclopedia libre">
-            <a:extLst>
-              <a:ext uri="{FF2B5EF4-FFF2-40B4-BE49-F238E27FC236}">
-                <a16:creationId xmlns:a16="http://schemas.microsoft.com/office/drawing/2014/main" id="{AA5176CE-25A3-41BC-89A6-8E91DCA74C57}"/>
-              </a:ext>
-            </a:extLst>
-          </p:cNvPr>
-          <p:cNvPicPr>
-            <a:picLocks noChangeAspect="1" noChangeArrowheads="1"/>
-          </p:cNvPicPr>
-          <p:nvPr/>
-        </p:nvPicPr>
-        <p:blipFill>
-          <a:blip r:embed="rId8" cstate="print">
-            <a:extLst>
-              <a:ext uri="{28A0092B-C50C-407E-A947-70E740481C1C}">
-                <a14:useLocalDpi xmlns:a14="http://schemas.microsoft.com/office/drawing/2010/main" val="0"/>
-              </a:ext>
-            </a:extLst>
-          </a:blip>
-          <a:srcRect/>
-          <a:stretch>
-            <a:fillRect/>
-          </a:stretch>
-        </p:blipFill>
-        <p:spPr bwMode="auto">
-          <a:xfrm>
-            <a:off x="6505003" y="2042721"/>
-            <a:ext cx="1477190" cy="1327258"/>
-          </a:xfrm>
-          <a:prstGeom prst="rect">
-            <a:avLst/>
-          </a:prstGeom>
-          <a:noFill/>
-          <a:extLst>
-            <a:ext uri="{909E8E84-426E-40DD-AFC4-6F175D3DCCD1}">
-              <a14:hiddenFill xmlns:a14="http://schemas.microsoft.com/office/drawing/2010/main">
-                <a:solidFill>
-                  <a:srgbClr val="FFFFFF"/>
-                </a:solidFill>
-              </a14:hiddenFill>
-            </a:ext>
-          </a:extLst>
-        </p:spPr>
-      </p:pic>
-      <p:sp>
-        <p:nvSpPr>
-          <p:cNvPr id="2" name="CuadroTexto 1">
-            <a:extLst>
-              <a:ext uri="{FF2B5EF4-FFF2-40B4-BE49-F238E27FC236}">
-                <a16:creationId xmlns:a16="http://schemas.microsoft.com/office/drawing/2014/main" id="{3802DA5D-84AB-49AD-B5A4-AC1D6DF9B836}"/>
-              </a:ext>
-            </a:extLst>
-          </p:cNvPr>
-          <p:cNvSpPr txBox="1"/>
-          <p:nvPr/>
-        </p:nvSpPr>
-        <p:spPr>
-          <a:xfrm>
-            <a:off x="561975" y="2276872"/>
-            <a:ext cx="5522193" cy="1200329"/>
-          </a:xfrm>
-          <a:prstGeom prst="rect">
-            <a:avLst/>
-          </a:prstGeom>
-          <a:noFill/>
-        </p:spPr>
-        <p:txBody>
-          <a:bodyPr wrap="square" rtlCol="0">
-            <a:spAutoFit/>
-          </a:bodyPr>
-          <a:lstStyle/>
-          <a:p>
-            <a:pPr marL="285750" indent="-285750">
-              <a:buFont typeface="Arial" panose="020B0604020202020204" pitchFamily="34" charset="0"/>
-              <a:buChar char="•"/>
-            </a:pPr>
-            <a:r>
-              <a:rPr lang="es-CO" sz="2400"/>
-              <a:t>Minimizar el tiempo y esfuerzo que le cuesta a las personas generar graficas, haciendo uso de comandos de voz</a:t>
-            </a:r>
-          </a:p>
-        </p:txBody>
-      </p:sp>
     </p:spTree>
     <p:extLst>
       <p:ext uri="{BB962C8B-B14F-4D97-AF65-F5344CB8AC3E}">
-        <p14:creationId xmlns:p14="http://schemas.microsoft.com/office/powerpoint/2010/main" val="416696622"/>
+        <p14:creationId xmlns:p14="http://schemas.microsoft.com/office/powerpoint/2010/main" val="320786871"/>
       </p:ext>
     </p:extLst>
   </p:cSld>
@@ -7113,7 +5047,7 @@
         </p:nvSpPr>
         <p:spPr bwMode="auto">
           <a:xfrm>
-            <a:off x="677737" y="1398588"/>
+            <a:off x="714375" y="1461467"/>
             <a:ext cx="8286751" cy="774700"/>
           </a:xfrm>
           <a:prstGeom prst="rect">
@@ -7132,10 +5066,10 @@
           <a:lstStyle/>
           <a:p>
             <a:r>
-              <a:rPr lang="es-CO" sz="2200" b="1">
+              <a:rPr lang="es-CO" sz="2200" b="1" dirty="0">
                 <a:latin typeface="Albertus" pitchFamily="34" charset="0"/>
               </a:rPr>
-              <a:t>Requerimientos funcionales</a:t>
+              <a:t>Nuevas Implementaciones</a:t>
             </a:r>
           </a:p>
         </p:txBody>
@@ -7172,10 +5106,10 @@
       </p:pic>
       <p:sp>
         <p:nvSpPr>
-          <p:cNvPr id="2" name="CuadroTexto 1">
+          <p:cNvPr id="5" name="CuadroTexto 4">
             <a:extLst>
               <a:ext uri="{FF2B5EF4-FFF2-40B4-BE49-F238E27FC236}">
-                <a16:creationId xmlns:a16="http://schemas.microsoft.com/office/drawing/2014/main" id="{8028A5AB-48D4-41AD-806E-A21D0CD865C5}"/>
+                <a16:creationId xmlns:a16="http://schemas.microsoft.com/office/drawing/2014/main" id="{B9FBF595-3EF1-43F6-ABE4-34E365B0C4FC}"/>
               </a:ext>
             </a:extLst>
           </p:cNvPr>
@@ -7184,8 +5118,8 @@
         </p:nvSpPr>
         <p:spPr>
           <a:xfrm>
-            <a:off x="268517" y="2871152"/>
-            <a:ext cx="4306441" cy="1938992"/>
+            <a:off x="142874" y="2195787"/>
+            <a:ext cx="3024336" cy="461665"/>
           </a:xfrm>
           <a:prstGeom prst="rect">
             <a:avLst/>
@@ -7198,39 +5132,43 @@
           </a:bodyPr>
           <a:lstStyle/>
           <a:p>
-            <a:r>
-              <a:rPr lang="es-MX"/>
-              <a:t>-</a:t>
-            </a:r>
-            <a:r>
-              <a:rPr lang="es-MX" sz="2000" err="1"/>
-              <a:t>GVoice</a:t>
-            </a:r>
-            <a:r>
-              <a:rPr lang="es-MX" sz="2000"/>
-              <a:t>   deberá   poder   realizar   cualquier   gráfica parametrizada.</a:t>
-            </a:r>
-          </a:p>
-          <a:p>
-            <a:r>
-              <a:rPr lang="es-MX" sz="2000"/>
-              <a:t>- Leer una instrucción por medio de voz[implementación no lineal futura]</a:t>
-            </a:r>
-          </a:p>
-          <a:p>
-            <a:r>
-              <a:rPr lang="es-MX" sz="2000"/>
-              <a:t>- contar con una interfaz amigable con el usuario[en implementación]</a:t>
+            <a:pPr marL="285750" indent="-285750">
+              <a:buFont typeface="Arial" panose="020B0604020202020204" pitchFamily="34" charset="0"/>
+              <a:buChar char="•"/>
+            </a:pPr>
+            <a:r>
+              <a:rPr lang="es-CO" sz="2400" dirty="0" err="1"/>
+              <a:t>Stack</a:t>
+            </a:r>
+            <a:r>
+              <a:rPr lang="es-CO" sz="2400" dirty="0"/>
+              <a:t> </a:t>
+            </a:r>
+            <a:r>
+              <a:rPr lang="es-CO" sz="2400" dirty="0" err="1"/>
+              <a:t>Boton</a:t>
+            </a:r>
+            <a:r>
+              <a:rPr lang="es-CO" sz="2400" dirty="0"/>
+              <a:t> </a:t>
+            </a:r>
+            <a:r>
+              <a:rPr lang="es-CO" sz="2400" dirty="0" err="1"/>
+              <a:t>Undo</a:t>
+            </a:r>
+            <a:r>
+              <a:rPr lang="es-CO" sz="2400" dirty="0"/>
+              <a:t>:</a:t>
             </a:r>
           </a:p>
         </p:txBody>
       </p:sp>
       <p:pic>
         <p:nvPicPr>
-          <p:cNvPr id="6" name="Imagen 5" descr="Imagen que contiene Interfaz de usuario gráfica&#10;&#10;Descripción generada automáticamente">
+          <p:cNvPr id="3" name="Imagen 2" descr="Texto&#10;&#10;Descripción generada automáticamente">
             <a:extLst>
               <a:ext uri="{FF2B5EF4-FFF2-40B4-BE49-F238E27FC236}">
-                <a16:creationId xmlns:a16="http://schemas.microsoft.com/office/drawing/2014/main" id="{CA9FDA0E-DC7B-4366-9347-768EB9999CE9}"/>
+                <a16:creationId xmlns:a16="http://schemas.microsoft.com/office/drawing/2014/main" id="{092BD452-9D4D-4616-8894-9842B10154B0}"/>
               </a:ext>
             </a:extLst>
           </p:cNvPr>
@@ -7240,7 +5178,7 @@
           <p:nvPr/>
         </p:nvPicPr>
         <p:blipFill>
-          <a:blip r:embed="rId6" cstate="print">
+          <a:blip r:embed="rId6">
             <a:extLst>
               <a:ext uri="{28A0092B-C50C-407E-A947-70E740481C1C}">
                 <a14:useLocalDpi xmlns:a14="http://schemas.microsoft.com/office/drawing/2010/main" val="0"/>
@@ -7253,8 +5191,8 @@
         </p:blipFill>
         <p:spPr>
           <a:xfrm>
-            <a:off x="4463829" y="2139008"/>
-            <a:ext cx="4680171" cy="3462595"/>
+            <a:off x="0" y="2926683"/>
+            <a:ext cx="9144000" cy="2993231"/>
           </a:xfrm>
           <a:prstGeom prst="rect">
             <a:avLst/>
@@ -7264,7 +5202,7 @@
     </p:spTree>
     <p:extLst>
       <p:ext uri="{BB962C8B-B14F-4D97-AF65-F5344CB8AC3E}">
-        <p14:creationId xmlns:p14="http://schemas.microsoft.com/office/powerpoint/2010/main" val="2913496763"/>
+        <p14:creationId xmlns:p14="http://schemas.microsoft.com/office/powerpoint/2010/main" val="2082006359"/>
       </p:ext>
     </p:extLst>
   </p:cSld>
@@ -7384,10 +5322,16 @@
           <a:lstStyle/>
           <a:p>
             <a:r>
-              <a:rPr lang="es-CO" sz="2200" b="1">
+              <a:rPr lang="es-CO" sz="2200" b="1" dirty="0" err="1">
                 <a:latin typeface="Albertus" pitchFamily="34" charset="0"/>
               </a:rPr>
-              <a:t>Requerimientos funcionales</a:t>
+              <a:t>MinHeap</a:t>
+            </a:r>
+            <a:r>
+              <a:rPr lang="es-CO" sz="2200" b="1" dirty="0">
+                <a:latin typeface="Albertus" pitchFamily="34" charset="0"/>
+              </a:rPr>
+              <a:t>:</a:t>
             </a:r>
           </a:p>
         </p:txBody>
@@ -7424,10 +5368,10 @@
       </p:pic>
       <p:pic>
         <p:nvPicPr>
-          <p:cNvPr id="6" name="Imagen 5" descr="Diagrama&#10;&#10;Descripción generada automáticamente">
+          <p:cNvPr id="3" name="Imagen 2" descr="Texto&#10;&#10;Descripción generada automáticamente">
             <a:extLst>
               <a:ext uri="{FF2B5EF4-FFF2-40B4-BE49-F238E27FC236}">
-                <a16:creationId xmlns:a16="http://schemas.microsoft.com/office/drawing/2014/main" id="{EF286E74-4545-40AE-B9EF-D8AF4EC3797B}"/>
+                <a16:creationId xmlns:a16="http://schemas.microsoft.com/office/drawing/2014/main" id="{743B7755-FDE5-4971-93FA-9AD2777F59F9}"/>
               </a:ext>
             </a:extLst>
           </p:cNvPr>
@@ -7450,8 +5394,8 @@
         </p:blipFill>
         <p:spPr>
           <a:xfrm>
-            <a:off x="998901" y="1988840"/>
-            <a:ext cx="7146197" cy="4561284"/>
+            <a:off x="2043530" y="1451584"/>
+            <a:ext cx="7048537" cy="5330456"/>
           </a:xfrm>
           <a:prstGeom prst="rect">
             <a:avLst/>
@@ -7461,7 +5405,7 @@
     </p:spTree>
     <p:extLst>
       <p:ext uri="{BB962C8B-B14F-4D97-AF65-F5344CB8AC3E}">
-        <p14:creationId xmlns:p14="http://schemas.microsoft.com/office/powerpoint/2010/main" val="3259651472"/>
+        <p14:creationId xmlns:p14="http://schemas.microsoft.com/office/powerpoint/2010/main" val="1089922643"/>
       </p:ext>
     </p:extLst>
   </p:cSld>
@@ -7505,7 +5449,7 @@
         </p:blipFill>
         <p:spPr bwMode="auto">
           <a:xfrm>
-            <a:off x="409575" y="1061013"/>
+            <a:off x="414338" y="1071563"/>
             <a:ext cx="8301037" cy="214312"/>
           </a:xfrm>
           <a:prstGeom prst="rect">
@@ -7562,7 +5506,7 @@
         </p:nvSpPr>
         <p:spPr bwMode="auto">
           <a:xfrm>
-            <a:off x="677737" y="1426723"/>
+            <a:off x="714375" y="1398588"/>
             <a:ext cx="8286751" cy="774700"/>
           </a:xfrm>
           <a:prstGeom prst="rect">
@@ -7581,18 +5525,29 @@
           <a:lstStyle/>
           <a:p>
             <a:r>
-              <a:rPr lang="es-CO" sz="2200" b="1">
+              <a:rPr lang="es-CO" sz="2200" b="1" dirty="0" err="1">
                 <a:latin typeface="Albertus" pitchFamily="34" charset="0"/>
               </a:rPr>
-              <a:t>Uso </a:t>
-            </a:r>
-            <a:r>
-              <a:rPr lang="es-CO" sz="2400" b="1"/>
-              <a:t>de estructuras de datos en la solución del problema a resolver</a:t>
-            </a:r>
-            <a:endParaRPr lang="es-CO" sz="2200" b="1">
-              <a:latin typeface="Albertus" pitchFamily="34" charset="0"/>
-            </a:endParaRPr>
+              <a:t>Expression</a:t>
+            </a:r>
+            <a:r>
+              <a:rPr lang="es-CO" sz="2200" b="1" dirty="0">
+                <a:latin typeface="Albertus" pitchFamily="34" charset="0"/>
+              </a:rPr>
+              <a:t> </a:t>
+            </a:r>
+            <a:r>
+              <a:rPr lang="es-CO" sz="2200" b="1" dirty="0" err="1">
+                <a:latin typeface="Albertus" pitchFamily="34" charset="0"/>
+              </a:rPr>
+              <a:t>tree</a:t>
+            </a:r>
+            <a:r>
+              <a:rPr lang="es-CO" sz="2200" b="1" dirty="0">
+                <a:latin typeface="Albertus" pitchFamily="34" charset="0"/>
+              </a:rPr>
+              <a:t>:</a:t>
+            </a:r>
           </a:p>
         </p:txBody>
       </p:sp>
@@ -7618,7 +5573,7 @@
         </p:blipFill>
         <p:spPr>
           <a:xfrm>
-            <a:off x="6588222" y="21777"/>
+            <a:off x="6588224" y="51848"/>
             <a:ext cx="1907456" cy="844123"/>
           </a:xfrm>
           <a:prstGeom prst="rect">
@@ -7628,57 +5583,10 @@
       </p:pic>
       <p:pic>
         <p:nvPicPr>
-          <p:cNvPr id="2050" name="Picture 2" descr="Cover image for Fundamental Data Structures and Algorithms in C#">
+          <p:cNvPr id="10" name="Imagen 9" descr="Texto&#10;&#10;Descripción generada automáticamente">
             <a:extLst>
               <a:ext uri="{FF2B5EF4-FFF2-40B4-BE49-F238E27FC236}">
-                <a16:creationId xmlns:a16="http://schemas.microsoft.com/office/drawing/2014/main" id="{26025A24-108E-4DA0-8F41-55E32CBA180B}"/>
-              </a:ext>
-            </a:extLst>
-          </p:cNvPr>
-          <p:cNvPicPr>
-            <a:picLocks noChangeAspect="1" noChangeArrowheads="1"/>
-          </p:cNvPicPr>
-          <p:nvPr/>
-        </p:nvPicPr>
-        <p:blipFill>
-          <a:blip r:embed="rId6">
-            <a:extLst>
-              <a:ext uri="{28A0092B-C50C-407E-A947-70E740481C1C}">
-                <a14:useLocalDpi xmlns:a14="http://schemas.microsoft.com/office/drawing/2010/main" val="0"/>
-              </a:ext>
-            </a:extLst>
-          </a:blip>
-          <a:srcRect/>
-          <a:stretch>
-            <a:fillRect/>
-          </a:stretch>
-        </p:blipFill>
-        <p:spPr bwMode="auto">
-          <a:xfrm>
-            <a:off x="4397450" y="2286001"/>
-            <a:ext cx="4381547" cy="1840098"/>
-          </a:xfrm>
-          <a:prstGeom prst="rect">
-            <a:avLst/>
-          </a:prstGeom>
-          <a:noFill/>
-          <a:extLst>
-            <a:ext uri="{909E8E84-426E-40DD-AFC4-6F175D3DCCD1}">
-              <a14:hiddenFill xmlns:a14="http://schemas.microsoft.com/office/drawing/2010/main">
-                <a:solidFill>
-                  <a:srgbClr val="FFFFFF"/>
-                </a:solidFill>
-              </a14:hiddenFill>
-            </a:ext>
-          </a:extLst>
-        </p:spPr>
-      </p:pic>
-      <p:pic>
-        <p:nvPicPr>
-          <p:cNvPr id="2" name="Imagen 1">
-            <a:extLst>
-              <a:ext uri="{FF2B5EF4-FFF2-40B4-BE49-F238E27FC236}">
-                <a16:creationId xmlns:a16="http://schemas.microsoft.com/office/drawing/2014/main" id="{B5FEBA65-9103-480B-A999-EECBD8993FFC}"/>
+                <a16:creationId xmlns:a16="http://schemas.microsoft.com/office/drawing/2014/main" id="{AE13E479-030B-4B56-968B-94FECEECA2CC}"/>
               </a:ext>
             </a:extLst>
           </p:cNvPr>
@@ -7688,124 +5596,31 @@
           <p:nvPr/>
         </p:nvPicPr>
         <p:blipFill>
-          <a:blip r:embed="rId7"/>
+          <a:blip r:embed="rId6" cstate="print">
+            <a:extLst>
+              <a:ext uri="{28A0092B-C50C-407E-A947-70E740481C1C}">
+                <a14:useLocalDpi xmlns:a14="http://schemas.microsoft.com/office/drawing/2010/main" val="0"/>
+              </a:ext>
+            </a:extLst>
+          </a:blip>
           <a:stretch>
             <a:fillRect/>
           </a:stretch>
         </p:blipFill>
         <p:spPr>
           <a:xfrm>
-            <a:off x="4448159" y="4238812"/>
-            <a:ext cx="4280127" cy="2177873"/>
+            <a:off x="3082857" y="1571625"/>
+            <a:ext cx="4033964" cy="5215631"/>
           </a:xfrm>
           <a:prstGeom prst="rect">
             <a:avLst/>
           </a:prstGeom>
         </p:spPr>
       </p:pic>
-      <p:sp>
-        <p:nvSpPr>
-          <p:cNvPr id="4" name="CuadroTexto 3">
-            <a:extLst>
-              <a:ext uri="{FF2B5EF4-FFF2-40B4-BE49-F238E27FC236}">
-                <a16:creationId xmlns:a16="http://schemas.microsoft.com/office/drawing/2014/main" id="{B76553F6-5AD3-4130-AEAA-9F5548E2F4B7}"/>
-              </a:ext>
-            </a:extLst>
-          </p:cNvPr>
-          <p:cNvSpPr txBox="1"/>
-          <p:nvPr/>
-        </p:nvSpPr>
-        <p:spPr>
-          <a:xfrm>
-            <a:off x="1018727" y="2761484"/>
-            <a:ext cx="3802385" cy="2585323"/>
-          </a:xfrm>
-          <a:prstGeom prst="rect">
-            <a:avLst/>
-          </a:prstGeom>
-          <a:noFill/>
-        </p:spPr>
-        <p:txBody>
-          <a:bodyPr wrap="square" rtlCol="0">
-            <a:spAutoFit/>
-          </a:bodyPr>
-          <a:lstStyle/>
-          <a:p>
-            <a:pPr marL="285750" indent="-285750">
-              <a:buFont typeface="Arial" panose="020B0604020202020204" pitchFamily="34" charset="0"/>
-              <a:buChar char="•"/>
-            </a:pPr>
-            <a:r>
-              <a:rPr lang="es-CO" sz="2400"/>
-              <a:t>Queue.</a:t>
-            </a:r>
-          </a:p>
-          <a:p>
-            <a:pPr marL="285750" indent="-285750">
-              <a:buFont typeface="Arial" panose="020B0604020202020204" pitchFamily="34" charset="0"/>
-              <a:buChar char="•"/>
-            </a:pPr>
-            <a:endParaRPr lang="es-CO" sz="2400"/>
-          </a:p>
-          <a:p>
-            <a:pPr marL="285750" indent="-285750">
-              <a:buFont typeface="Arial" panose="020B0604020202020204" pitchFamily="34" charset="0"/>
-              <a:buChar char="•"/>
-            </a:pPr>
-            <a:r>
-              <a:rPr lang="es-CO" sz="2400" err="1"/>
-              <a:t>Stack</a:t>
-            </a:r>
-            <a:r>
-              <a:rPr lang="es-CO" sz="2400"/>
-              <a:t>.</a:t>
-            </a:r>
-          </a:p>
-          <a:p>
-            <a:pPr marL="285750" indent="-285750">
-              <a:buFont typeface="Arial" panose="020B0604020202020204" pitchFamily="34" charset="0"/>
-              <a:buChar char="•"/>
-            </a:pPr>
-            <a:endParaRPr lang="es-CO" sz="2400"/>
-          </a:p>
-          <a:p>
-            <a:pPr marL="285750" indent="-285750">
-              <a:buFont typeface="Arial" panose="020B0604020202020204" pitchFamily="34" charset="0"/>
-              <a:buChar char="•"/>
-            </a:pPr>
-            <a:r>
-              <a:rPr lang="es-CO" sz="2400" err="1"/>
-              <a:t>Linked</a:t>
-            </a:r>
-            <a:r>
-              <a:rPr lang="es-CO" sz="2400"/>
-              <a:t> </a:t>
-            </a:r>
-            <a:r>
-              <a:rPr lang="es-CO" sz="2400" err="1"/>
-              <a:t>list</a:t>
-            </a:r>
-            <a:r>
-              <a:rPr lang="es-CO" sz="2400"/>
-              <a:t>.</a:t>
-            </a:r>
-          </a:p>
-          <a:p>
-            <a:pPr marL="285750" indent="-285750">
-              <a:buFont typeface="Arial" panose="020B0604020202020204" pitchFamily="34" charset="0"/>
-              <a:buChar char="•"/>
-            </a:pPr>
-            <a:endParaRPr lang="es-CO" sz="2400"/>
-          </a:p>
-          <a:p>
-            <a:endParaRPr lang="es-CO"/>
-          </a:p>
-        </p:txBody>
-      </p:sp>
     </p:spTree>
     <p:extLst>
       <p:ext uri="{BB962C8B-B14F-4D97-AF65-F5344CB8AC3E}">
-        <p14:creationId xmlns:p14="http://schemas.microsoft.com/office/powerpoint/2010/main" val="320786871"/>
+        <p14:creationId xmlns:p14="http://schemas.microsoft.com/office/powerpoint/2010/main" val="3204871913"/>
       </p:ext>
     </p:extLst>
   </p:cSld>
@@ -7906,7 +5721,7 @@
         </p:nvSpPr>
         <p:spPr bwMode="auto">
           <a:xfrm>
-            <a:off x="714375" y="1502172"/>
+            <a:off x="677737" y="1398588"/>
             <a:ext cx="8286751" cy="774700"/>
           </a:xfrm>
           <a:prstGeom prst="rect">
@@ -7925,11 +5740,12 @@
           <a:lstStyle/>
           <a:p>
             <a:r>
-              <a:rPr lang="es-CO" sz="2200" b="1">
-                <a:latin typeface="Albertus" pitchFamily="34" charset="0"/>
-              </a:rPr>
-              <a:t>Queue:</a:t>
-            </a:r>
+              <a:rPr lang="es-CO" sz="2400" b="1" dirty="0"/>
+              <a:t>Pruebas y análisis comparativo del uso de las estructuras de datos</a:t>
+            </a:r>
+            <a:endParaRPr lang="es-CO" sz="2200" b="1" dirty="0">
+              <a:latin typeface="Albertus" pitchFamily="34" charset="0"/>
+            </a:endParaRPr>
           </a:p>
         </p:txBody>
       </p:sp>
@@ -7963,51 +5779,12 @@
           </a:prstGeom>
         </p:spPr>
       </p:pic>
-      <p:sp>
-        <p:nvSpPr>
-          <p:cNvPr id="5" name="CuadroTexto 4">
+      <p:pic>
+        <p:nvPicPr>
+          <p:cNvPr id="5" name="Imagen 4" descr="Gráfico, Gráfico de líneas&#10;&#10;Descripción generada automáticamente">
             <a:extLst>
               <a:ext uri="{FF2B5EF4-FFF2-40B4-BE49-F238E27FC236}">
-                <a16:creationId xmlns:a16="http://schemas.microsoft.com/office/drawing/2014/main" id="{B9FBF595-3EF1-43F6-ABE4-34E365B0C4FC}"/>
-              </a:ext>
-            </a:extLst>
-          </p:cNvPr>
-          <p:cNvSpPr txBox="1"/>
-          <p:nvPr/>
-        </p:nvSpPr>
-        <p:spPr>
-          <a:xfrm>
-            <a:off x="467544" y="2276872"/>
-            <a:ext cx="3024336" cy="461665"/>
-          </a:xfrm>
-          <a:prstGeom prst="rect">
-            <a:avLst/>
-          </a:prstGeom>
-          <a:noFill/>
-        </p:spPr>
-        <p:txBody>
-          <a:bodyPr wrap="square" rtlCol="0">
-            <a:spAutoFit/>
-          </a:bodyPr>
-          <a:lstStyle/>
-          <a:p>
-            <a:pPr marL="285750" indent="-285750">
-              <a:buFont typeface="Arial" panose="020B0604020202020204" pitchFamily="34" charset="0"/>
-              <a:buChar char="•"/>
-            </a:pPr>
-            <a:r>
-              <a:rPr lang="es-CO" sz="2400"/>
-              <a:t>Graficas en pantalla</a:t>
-            </a:r>
-          </a:p>
-        </p:txBody>
-      </p:sp>
-      <p:pic>
-        <p:nvPicPr>
-          <p:cNvPr id="4" name="Imagen 3" descr="Texto&#10;&#10;Descripción generada automáticamente">
-            <a:extLst>
-              <a:ext uri="{FF2B5EF4-FFF2-40B4-BE49-F238E27FC236}">
-                <a16:creationId xmlns:a16="http://schemas.microsoft.com/office/drawing/2014/main" id="{C911E300-F9F1-4D7C-B81F-85175105131F}"/>
+                <a16:creationId xmlns:a16="http://schemas.microsoft.com/office/drawing/2014/main" id="{AB4359DF-CE1A-407A-A9F2-8957D8EEDCB3}"/>
               </a:ext>
             </a:extLst>
           </p:cNvPr>
@@ -8019,35 +5796,6 @@
         <p:blipFill>
           <a:blip r:embed="rId6">
             <a:extLst>
-              <a:ext uri="{BEBA8EAE-BF5A-486C-A8C5-ECC9F3942E4B}">
-                <a14:imgProps xmlns:a14="http://schemas.microsoft.com/office/drawing/2010/main">
-                  <a14:imgLayer r:embed="rId7">
-                    <a14:imgEffect>
-                      <a14:backgroundRemoval t="9582" b="89547" l="1462" r="90156">
-                        <a14:foregroundMark x1="15595" y1="43031" x2="21832" y2="47387"/>
-                        <a14:foregroundMark x1="21832" y1="47387" x2="16277" y2="43554"/>
-                        <a14:foregroundMark x1="16277" y1="43554" x2="19396" y2="44077"/>
-                        <a14:foregroundMark x1="37232" y1="47038" x2="42300" y2="52962"/>
-                        <a14:foregroundMark x1="42300" y1="52962" x2="40058" y2="50348"/>
-                        <a14:foregroundMark x1="38499" y1="62021" x2="44347" y2="60279"/>
-                        <a14:foregroundMark x1="44347" y1="60279" x2="51267" y2="61672"/>
-                        <a14:foregroundMark x1="51267" y1="61672" x2="44250" y2="60453"/>
-                        <a14:foregroundMark x1="44250" y1="60453" x2="44152" y2="60279"/>
-                        <a14:foregroundMark x1="9942" y1="23519" x2="9454" y2="51394"/>
-                        <a14:foregroundMark x1="44834" y1="62718" x2="39474" y2="63937"/>
-                        <a14:foregroundMark x1="39474" y1="63937" x2="43860" y2="63937"/>
-                        <a14:foregroundMark x1="44055" y1="40244" x2="44639" y2="36585"/>
-                        <a14:foregroundMark x1="90156" y1="23345" x2="90156" y2="39024"/>
-                        <a14:foregroundMark x1="22222" y1="62195" x2="24561" y2="62195"/>
-                        <a14:foregroundMark x1="34113" y1="43728" x2="39376" y2="44774"/>
-                        <a14:foregroundMark x1="39376" y1="44774" x2="38402" y2="43206"/>
-                        <a14:backgroundMark x1="1267" y1="32230" x2="1657" y2="31185"/>
-                        <a14:backgroundMark x1="1657" y1="31185" x2="780" y2="32056"/>
-                      </a14:backgroundRemoval>
-                    </a14:imgEffect>
-                  </a14:imgLayer>
-                </a14:imgProps>
-              </a:ext>
               <a:ext uri="{28A0092B-C50C-407E-A947-70E740481C1C}">
                 <a14:useLocalDpi xmlns:a14="http://schemas.microsoft.com/office/drawing/2010/main" val="0"/>
               </a:ext>
@@ -8059,18 +5807,53 @@
         </p:blipFill>
         <p:spPr>
           <a:xfrm>
-            <a:off x="-7144" y="2023304"/>
-            <a:ext cx="9144000" cy="5115649"/>
+            <a:off x="0" y="2435394"/>
+            <a:ext cx="9144000" cy="4029075"/>
           </a:xfrm>
           <a:prstGeom prst="rect">
             <a:avLst/>
           </a:prstGeom>
         </p:spPr>
       </p:pic>
+      <p:sp>
+        <p:nvSpPr>
+          <p:cNvPr id="6" name="CuadroTexto 5">
+            <a:extLst>
+              <a:ext uri="{FF2B5EF4-FFF2-40B4-BE49-F238E27FC236}">
+                <a16:creationId xmlns:a16="http://schemas.microsoft.com/office/drawing/2014/main" id="{9A8571D7-1A71-4A2E-BD1C-E2DE05A9FEC8}"/>
+              </a:ext>
+            </a:extLst>
+          </p:cNvPr>
+          <p:cNvSpPr txBox="1"/>
+          <p:nvPr/>
+        </p:nvSpPr>
+        <p:spPr>
+          <a:xfrm>
+            <a:off x="1180729" y="2774056"/>
+            <a:ext cx="834501" cy="375082"/>
+          </a:xfrm>
+          <a:prstGeom prst="rect">
+            <a:avLst/>
+          </a:prstGeom>
+          <a:noFill/>
+        </p:spPr>
+        <p:txBody>
+          <a:bodyPr wrap="square" rtlCol="0">
+            <a:spAutoFit/>
+          </a:bodyPr>
+          <a:lstStyle/>
+          <a:p>
+            <a:r>
+              <a:rPr lang="es-CO" dirty="0"/>
+              <a:t>O(N)</a:t>
+            </a:r>
+          </a:p>
+        </p:txBody>
+      </p:sp>
     </p:spTree>
     <p:extLst>
       <p:ext uri="{BB962C8B-B14F-4D97-AF65-F5344CB8AC3E}">
-        <p14:creationId xmlns:p14="http://schemas.microsoft.com/office/powerpoint/2010/main" val="2082006359"/>
+        <p14:creationId xmlns:p14="http://schemas.microsoft.com/office/powerpoint/2010/main" val="1814172643"/>
       </p:ext>
     </p:extLst>
   </p:cSld>
@@ -8171,7 +5954,7 @@
         </p:nvSpPr>
         <p:spPr bwMode="auto">
           <a:xfrm>
-            <a:off x="677737" y="1398588"/>
+            <a:off x="714375" y="1357313"/>
             <a:ext cx="8286751" cy="774700"/>
           </a:xfrm>
           <a:prstGeom prst="rect">
@@ -8190,13 +5973,19 @@
           <a:lstStyle/>
           <a:p>
             <a:r>
-              <a:rPr lang="es-CO" sz="2200" b="1" err="1">
+              <a:rPr lang="es-CO" sz="2200" b="1" dirty="0">
                 <a:latin typeface="Albertus" pitchFamily="34" charset="0"/>
               </a:rPr>
-              <a:t>Stack</a:t>
-            </a:r>
-            <a:r>
-              <a:rPr lang="es-CO" sz="2200" b="1">
+              <a:t>Complejidad </a:t>
+            </a:r>
+            <a:r>
+              <a:rPr lang="es-CO" sz="2200" b="1" dirty="0" err="1">
+                <a:latin typeface="Albertus" pitchFamily="34" charset="0"/>
+              </a:rPr>
+              <a:t>Heap</a:t>
+            </a:r>
+            <a:r>
+              <a:rPr lang="es-CO" sz="2200" b="1" dirty="0">
                 <a:latin typeface="Albertus" pitchFamily="34" charset="0"/>
               </a:rPr>
               <a:t>:</a:t>
@@ -8234,92 +6023,12 @@
           </a:prstGeom>
         </p:spPr>
       </p:pic>
-      <p:sp>
-        <p:nvSpPr>
-          <p:cNvPr id="5" name="CuadroTexto 4">
+      <p:pic>
+        <p:nvPicPr>
+          <p:cNvPr id="4" name="Imagen 3" descr="Gráfico, Gráfico de líneas&#10;&#10;Descripción generada automáticamente">
             <a:extLst>
               <a:ext uri="{FF2B5EF4-FFF2-40B4-BE49-F238E27FC236}">
-                <a16:creationId xmlns:a16="http://schemas.microsoft.com/office/drawing/2014/main" id="{B9FBF595-3EF1-43F6-ABE4-34E365B0C4FC}"/>
-              </a:ext>
-            </a:extLst>
-          </p:cNvPr>
-          <p:cNvSpPr txBox="1"/>
-          <p:nvPr/>
-        </p:nvSpPr>
-        <p:spPr>
-          <a:xfrm>
-            <a:off x="409575" y="2286001"/>
-            <a:ext cx="3024336" cy="3416320"/>
-          </a:xfrm>
-          <a:prstGeom prst="rect">
-            <a:avLst/>
-          </a:prstGeom>
-          <a:noFill/>
-        </p:spPr>
-        <p:txBody>
-          <a:bodyPr wrap="square" rtlCol="0">
-            <a:spAutoFit/>
-          </a:bodyPr>
-          <a:lstStyle/>
-          <a:p>
-            <a:pPr marL="285750" indent="-285750">
-              <a:buFont typeface="Arial" panose="020B0604020202020204" pitchFamily="34" charset="0"/>
-              <a:buChar char="•"/>
-            </a:pPr>
-            <a:r>
-              <a:rPr lang="es-CO" sz="2400"/>
-              <a:t>Cambiar de posición el eje coordenado</a:t>
-            </a:r>
-          </a:p>
-          <a:p>
-            <a:pPr marL="285750" indent="-285750">
-              <a:buFont typeface="Arial" panose="020B0604020202020204" pitchFamily="34" charset="0"/>
-              <a:buChar char="•"/>
-            </a:pPr>
-            <a:endParaRPr lang="es-CO"/>
-          </a:p>
-          <a:p>
-            <a:pPr marL="285750" indent="-285750">
-              <a:buFont typeface="Arial" panose="020B0604020202020204" pitchFamily="34" charset="0"/>
-              <a:buChar char="•"/>
-            </a:pPr>
-            <a:endParaRPr lang="es-CO"/>
-          </a:p>
-          <a:p>
-            <a:endParaRPr lang="es-CO"/>
-          </a:p>
-          <a:p>
-            <a:pPr marL="285750" indent="-285750">
-              <a:buFont typeface="Arial" panose="020B0604020202020204" pitchFamily="34" charset="0"/>
-              <a:buChar char="•"/>
-            </a:pPr>
-            <a:endParaRPr lang="es-CO"/>
-          </a:p>
-          <a:p>
-            <a:pPr marL="285750" indent="-285750">
-              <a:buFont typeface="Arial" panose="020B0604020202020204" pitchFamily="34" charset="0"/>
-              <a:buChar char="•"/>
-            </a:pPr>
-            <a:endParaRPr lang="es-CO" sz="2400"/>
-          </a:p>
-          <a:p>
-            <a:pPr marL="285750" indent="-285750">
-              <a:buFont typeface="Arial" panose="020B0604020202020204" pitchFamily="34" charset="0"/>
-              <a:buChar char="•"/>
-            </a:pPr>
-            <a:r>
-              <a:rPr lang="es-CO" sz="2400"/>
-              <a:t>Generar las graficas a partir de superficies</a:t>
-            </a:r>
-          </a:p>
-        </p:txBody>
-      </p:sp>
-      <p:pic>
-        <p:nvPicPr>
-          <p:cNvPr id="4" name="Imagen 3" descr="Texto&#10;&#10;Descripción generada automáticamente">
-            <a:extLst>
-              <a:ext uri="{FF2B5EF4-FFF2-40B4-BE49-F238E27FC236}">
-                <a16:creationId xmlns:a16="http://schemas.microsoft.com/office/drawing/2014/main" id="{24DD11C5-8C11-4E62-9928-BF1138B923BB}"/>
+                <a16:creationId xmlns:a16="http://schemas.microsoft.com/office/drawing/2014/main" id="{EAD99AC8-2F2C-480A-89CA-2CDEB8AAE328}"/>
               </a:ext>
             </a:extLst>
           </p:cNvPr>
@@ -8331,17 +6040,6 @@
         <p:blipFill>
           <a:blip r:embed="rId6">
             <a:extLst>
-              <a:ext uri="{BEBA8EAE-BF5A-486C-A8C5-ECC9F3942E4B}">
-                <a14:imgProps xmlns:a14="http://schemas.microsoft.com/office/drawing/2010/main">
-                  <a14:imgLayer r:embed="rId7">
-                    <a14:imgEffect>
-                      <a14:backgroundRemoval t="9868" b="89967" l="9259" r="89961">
-                        <a14:foregroundMark x1="10039" y1="27303" x2="9259" y2="27467"/>
-                      </a14:backgroundRemoval>
-                    </a14:imgEffect>
-                  </a14:imgLayer>
-                </a14:imgProps>
-              </a:ext>
               <a:ext uri="{28A0092B-C50C-407E-A947-70E740481C1C}">
                 <a14:useLocalDpi xmlns:a14="http://schemas.microsoft.com/office/drawing/2010/main" val="0"/>
               </a:ext>
@@ -8353,69 +6051,53 @@
         </p:blipFill>
         <p:spPr>
           <a:xfrm>
-            <a:off x="2913293" y="2978392"/>
-            <a:ext cx="7384804" cy="4376181"/>
+            <a:off x="1728765" y="2132013"/>
+            <a:ext cx="5813187" cy="4359891"/>
           </a:xfrm>
           <a:prstGeom prst="rect">
             <a:avLst/>
           </a:prstGeom>
         </p:spPr>
       </p:pic>
-      <p:pic>
-        <p:nvPicPr>
-          <p:cNvPr id="7" name="Imagen 6" descr="Texto&#10;&#10;Descripción generada automáticamente">
+      <p:sp>
+        <p:nvSpPr>
+          <p:cNvPr id="5" name="CuadroTexto 4">
             <a:extLst>
               <a:ext uri="{FF2B5EF4-FFF2-40B4-BE49-F238E27FC236}">
-                <a16:creationId xmlns:a16="http://schemas.microsoft.com/office/drawing/2014/main" id="{AC8B3E4A-65B9-46C0-A113-22A0C6C742A2}"/>
+                <a16:creationId xmlns:a16="http://schemas.microsoft.com/office/drawing/2014/main" id="{FFA8BD3F-A80D-4E5C-A152-01ABB29EB5BF}"/>
               </a:ext>
             </a:extLst>
           </p:cNvPr>
-          <p:cNvPicPr>
-            <a:picLocks noChangeAspect="1"/>
-          </p:cNvPicPr>
+          <p:cNvSpPr txBox="1"/>
           <p:nvPr/>
-        </p:nvPicPr>
-        <p:blipFill>
-          <a:blip r:embed="rId8">
-            <a:extLst>
-              <a:ext uri="{BEBA8EAE-BF5A-486C-A8C5-ECC9F3942E4B}">
-                <a14:imgProps xmlns:a14="http://schemas.microsoft.com/office/drawing/2010/main">
-                  <a14:imgLayer r:embed="rId9">
-                    <a14:imgEffect>
-                      <a14:backgroundRemoval t="9756" b="89721" l="9747" r="90058">
-                        <a14:foregroundMark x1="10039" y1="37631" x2="9747" y2="37631"/>
-                        <a14:foregroundMark x1="88986" y1="48780" x2="90058" y2="48084"/>
-                        <a14:foregroundMark x1="33821" y1="45122" x2="28070" y2="44774"/>
-                        <a14:foregroundMark x1="28070" y1="44774" x2="30507" y2="44774"/>
-                        <a14:foregroundMark x1="20370" y1="68467" x2="23977" y2="69512"/>
-                      </a14:backgroundRemoval>
-                    </a14:imgEffect>
-                  </a14:imgLayer>
-                </a14:imgProps>
-              </a:ext>
-              <a:ext uri="{28A0092B-C50C-407E-A947-70E740481C1C}">
-                <a14:useLocalDpi xmlns:a14="http://schemas.microsoft.com/office/drawing/2010/main" val="0"/>
-              </a:ext>
-            </a:extLst>
-          </a:blip>
-          <a:stretch>
-            <a:fillRect/>
-          </a:stretch>
-        </p:blipFill>
+        </p:nvSpPr>
         <p:spPr>
           <a:xfrm>
-            <a:off x="2844819" y="514902"/>
-            <a:ext cx="7486809" cy="4188527"/>
+            <a:off x="798990" y="2132013"/>
+            <a:ext cx="929775" cy="369332"/>
           </a:xfrm>
           <a:prstGeom prst="rect">
             <a:avLst/>
           </a:prstGeom>
-        </p:spPr>
-      </p:pic>
+          <a:noFill/>
+        </p:spPr>
+        <p:txBody>
+          <a:bodyPr wrap="square" rtlCol="0">
+            <a:spAutoFit/>
+          </a:bodyPr>
+          <a:lstStyle/>
+          <a:p>
+            <a:r>
+              <a:rPr lang="es-CO" dirty="0"/>
+              <a:t>Log(N)</a:t>
+            </a:r>
+          </a:p>
+        </p:txBody>
+      </p:sp>
     </p:spTree>
     <p:extLst>
       <p:ext uri="{BB962C8B-B14F-4D97-AF65-F5344CB8AC3E}">
-        <p14:creationId xmlns:p14="http://schemas.microsoft.com/office/powerpoint/2010/main" val="1089922643"/>
+        <p14:creationId xmlns:p14="http://schemas.microsoft.com/office/powerpoint/2010/main" val="2089851179"/>
       </p:ext>
     </p:extLst>
   </p:cSld>
@@ -8491,7 +6173,7 @@
         </p:blipFill>
         <p:spPr bwMode="auto">
           <a:xfrm>
-            <a:off x="409575" y="1357313"/>
+            <a:off x="414338" y="1405875"/>
             <a:ext cx="304800" cy="428625"/>
           </a:xfrm>
           <a:prstGeom prst="rect">
@@ -8516,7 +6198,7 @@
         </p:nvSpPr>
         <p:spPr bwMode="auto">
           <a:xfrm>
-            <a:off x="677737" y="1398588"/>
+            <a:off x="714375" y="1178719"/>
             <a:ext cx="8286751" cy="774700"/>
           </a:xfrm>
           <a:prstGeom prst="rect">
@@ -8535,28 +6217,16 @@
           <a:lstStyle/>
           <a:p>
             <a:r>
-              <a:rPr lang="es-CO" sz="2200" b="1" err="1">
+              <a:rPr lang="es-ES" sz="2200" b="1">
                 <a:latin typeface="Albertus" pitchFamily="34" charset="0"/>
               </a:rPr>
-              <a:t>linked</a:t>
+              <a:t>C</a:t>
             </a:r>
             <a:r>
               <a:rPr lang="es-CO" sz="2200" b="1">
                 <a:latin typeface="Albertus" pitchFamily="34" charset="0"/>
               </a:rPr>
-              <a:t> </a:t>
-            </a:r>
-            <a:r>
-              <a:rPr lang="es-CO" sz="2200" b="1" err="1">
-                <a:latin typeface="Albertus" pitchFamily="34" charset="0"/>
-              </a:rPr>
-              <a:t>list</a:t>
-            </a:r>
-            <a:r>
-              <a:rPr lang="es-CO" sz="2200" b="1">
-                <a:latin typeface="Albertus" pitchFamily="34" charset="0"/>
-              </a:rPr>
-              <a:t>:</a:t>
+              <a:t>onclusiones</a:t>
             </a:r>
           </a:p>
         </p:txBody>
@@ -8591,12 +6261,77 @@
           </a:prstGeom>
         </p:spPr>
       </p:pic>
+      <p:sp>
+        <p:nvSpPr>
+          <p:cNvPr id="3" name="CuadroTexto 2">
+            <a:extLst>
+              <a:ext uri="{FF2B5EF4-FFF2-40B4-BE49-F238E27FC236}">
+                <a16:creationId xmlns:a16="http://schemas.microsoft.com/office/drawing/2014/main" id="{7E684D6A-5FAC-4781-82E8-1AF7F4F6641B}"/>
+              </a:ext>
+            </a:extLst>
+          </p:cNvPr>
+          <p:cNvSpPr txBox="1"/>
+          <p:nvPr/>
+        </p:nvSpPr>
+        <p:spPr>
+          <a:xfrm>
+            <a:off x="611560" y="2132856"/>
+            <a:ext cx="6192688" cy="1477328"/>
+          </a:xfrm>
+          <a:prstGeom prst="rect">
+            <a:avLst/>
+          </a:prstGeom>
+          <a:noFill/>
+        </p:spPr>
+        <p:txBody>
+          <a:bodyPr wrap="square" rtlCol="0">
+            <a:spAutoFit/>
+          </a:bodyPr>
+          <a:lstStyle/>
+          <a:p>
+            <a:pPr marL="285750" indent="-285750">
+              <a:buFont typeface="Arial" panose="020B0604020202020204" pitchFamily="34" charset="0"/>
+              <a:buChar char="•"/>
+            </a:pPr>
+            <a:r>
+              <a:rPr lang="es-CO" dirty="0"/>
+              <a:t>Se evidencio que el </a:t>
+            </a:r>
+            <a:r>
+              <a:rPr lang="es-CO" dirty="0" err="1"/>
+              <a:t>Heap</a:t>
+            </a:r>
+            <a:r>
+              <a:rPr lang="es-CO" dirty="0"/>
+              <a:t> es muy eficiente al organizar los datos</a:t>
+            </a:r>
+          </a:p>
+          <a:p>
+            <a:pPr marL="285750" indent="-285750">
+              <a:buFont typeface="Arial" panose="020B0604020202020204" pitchFamily="34" charset="0"/>
+              <a:buChar char="•"/>
+            </a:pPr>
+            <a:r>
+              <a:rPr lang="es-CO" dirty="0"/>
+              <a:t>Aunque el </a:t>
+            </a:r>
+            <a:r>
+              <a:rPr lang="es-CO" dirty="0" err="1"/>
+              <a:t>heap</a:t>
+            </a:r>
+            <a:r>
+              <a:rPr lang="es-CO" dirty="0"/>
+              <a:t> proporciona una solución muy eficiente al ser esta una aplicación grafica esta colapsa los recursos del computador luego de las 100.000 graficas.</a:t>
+            </a:r>
+          </a:p>
+        </p:txBody>
+      </p:sp>
       <p:pic>
         <p:nvPicPr>
-          <p:cNvPr id="4" name="Imagen 3" descr="Texto&#10;&#10;Descripción generada automáticamente">
+          <p:cNvPr id="2" name="Imagen 1">
             <a:extLst>
               <a:ext uri="{FF2B5EF4-FFF2-40B4-BE49-F238E27FC236}">
-                <a16:creationId xmlns:a16="http://schemas.microsoft.com/office/drawing/2014/main" id="{2903DD06-EBFE-492F-BA62-26594F3EDC13}"/>
+                <a16:creationId xmlns:a16="http://schemas.microsoft.com/office/drawing/2014/main" id="{AF7B6076-0BD2-4BBE-AFAD-781FC327F1D8}"/>
               </a:ext>
             </a:extLst>
           </p:cNvPr>
@@ -8606,326 +6341,25 @@
           <p:nvPr/>
         </p:nvPicPr>
         <p:blipFill>
-          <a:blip r:embed="rId6">
-            <a:extLst>
-              <a:ext uri="{BEBA8EAE-BF5A-486C-A8C5-ECC9F3942E4B}">
-                <a14:imgProps xmlns:a14="http://schemas.microsoft.com/office/drawing/2010/main">
-                  <a14:imgLayer r:embed="rId7">
-                    <a14:imgEffect>
-                      <a14:backgroundRemoval t="9949" b="89796" l="7862" r="91950">
-                        <a14:foregroundMark x1="9874" y1="22832" x2="14025" y2="25255"/>
-                        <a14:foregroundMark x1="8239" y1="20918" x2="7862" y2="34056"/>
-                        <a14:foregroundMark x1="24340" y1="72066" x2="24654" y2="72066"/>
-                        <a14:foregroundMark x1="90252" y1="21301" x2="91950" y2="24362"/>
-                      </a14:backgroundRemoval>
-                    </a14:imgEffect>
-                  </a14:imgLayer>
-                </a14:imgProps>
-              </a:ext>
-              <a:ext uri="{28A0092B-C50C-407E-A947-70E740481C1C}">
-                <a14:useLocalDpi xmlns:a14="http://schemas.microsoft.com/office/drawing/2010/main" val="0"/>
-              </a:ext>
-            </a:extLst>
-          </a:blip>
+          <a:blip r:embed="rId6"/>
           <a:stretch>
             <a:fillRect/>
           </a:stretch>
         </p:blipFill>
         <p:spPr>
           <a:xfrm>
-            <a:off x="179512" y="2151683"/>
-            <a:ext cx="9144000" cy="4508740"/>
+            <a:off x="4987646" y="3280674"/>
+            <a:ext cx="3884847" cy="3247816"/>
           </a:xfrm>
           <a:prstGeom prst="rect">
             <a:avLst/>
           </a:prstGeom>
         </p:spPr>
       </p:pic>
-      <p:sp>
-        <p:nvSpPr>
-          <p:cNvPr id="6" name="CuadroTexto 5">
-            <a:extLst>
-              <a:ext uri="{FF2B5EF4-FFF2-40B4-BE49-F238E27FC236}">
-                <a16:creationId xmlns:a16="http://schemas.microsoft.com/office/drawing/2014/main" id="{4CABC1ED-00AD-443A-B5E9-3A5810B7048B}"/>
-              </a:ext>
-            </a:extLst>
-          </p:cNvPr>
-          <p:cNvSpPr txBox="1"/>
-          <p:nvPr/>
-        </p:nvSpPr>
-        <p:spPr>
-          <a:xfrm>
-            <a:off x="714375" y="2173288"/>
-            <a:ext cx="5441801" cy="461665"/>
-          </a:xfrm>
-          <a:prstGeom prst="rect">
-            <a:avLst/>
-          </a:prstGeom>
-          <a:noFill/>
-        </p:spPr>
-        <p:txBody>
-          <a:bodyPr wrap="square" rtlCol="0">
-            <a:spAutoFit/>
-          </a:bodyPr>
-          <a:lstStyle/>
-          <a:p>
-            <a:pPr marL="285750" indent="-285750">
-              <a:buFont typeface="Arial" panose="020B0604020202020204" pitchFamily="34" charset="0"/>
-              <a:buChar char="•"/>
-            </a:pPr>
-            <a:r>
-              <a:rPr lang="es-CO" sz="2400"/>
-              <a:t>Generar el informe de las pruebas</a:t>
-            </a:r>
-          </a:p>
-        </p:txBody>
-      </p:sp>
     </p:spTree>
     <p:extLst>
       <p:ext uri="{BB962C8B-B14F-4D97-AF65-F5344CB8AC3E}">
-        <p14:creationId xmlns:p14="http://schemas.microsoft.com/office/powerpoint/2010/main" val="3204871913"/>
-      </p:ext>
-    </p:extLst>
-  </p:cSld>
-  <p:clrMapOvr>
-    <a:masterClrMapping/>
-  </p:clrMapOvr>
-</p:sld>
-</file>
-
-<file path=ppt/slides/slide9.xml><?xml version="1.0" encoding="utf-8"?>
-<p:sld xmlns:a="http://schemas.openxmlformats.org/drawingml/2006/main" xmlns:r="http://schemas.openxmlformats.org/officeDocument/2006/relationships" xmlns:p="http://schemas.openxmlformats.org/presentationml/2006/main">
-  <p:cSld>
-    <p:spTree>
-      <p:nvGrpSpPr>
-        <p:cNvPr id="1" name=""/>
-        <p:cNvGrpSpPr/>
-        <p:nvPr/>
-      </p:nvGrpSpPr>
-      <p:grpSpPr>
-        <a:xfrm>
-          <a:off x="0" y="0"/>
-          <a:ext cx="0" cy="0"/>
-          <a:chOff x="0" y="0"/>
-          <a:chExt cx="0" cy="0"/>
-        </a:xfrm>
-      </p:grpSpPr>
-      <p:pic>
-        <p:nvPicPr>
-          <p:cNvPr id="17410" name="Picture 4"/>
-          <p:cNvPicPr>
-            <a:picLocks noChangeAspect="1" noChangeArrowheads="1"/>
-          </p:cNvPicPr>
-          <p:nvPr/>
-        </p:nvPicPr>
-        <p:blipFill>
-          <a:blip r:embed="rId3" cstate="print"/>
-          <a:srcRect r="2518" b="-18422"/>
-          <a:stretch>
-            <a:fillRect/>
-          </a:stretch>
-        </p:blipFill>
-        <p:spPr bwMode="auto">
-          <a:xfrm>
-            <a:off x="414338" y="1071563"/>
-            <a:ext cx="8301037" cy="214312"/>
-          </a:xfrm>
-          <a:prstGeom prst="rect">
-            <a:avLst/>
-          </a:prstGeom>
-          <a:noFill/>
-          <a:ln w="9525">
-            <a:noFill/>
-            <a:miter lim="800000"/>
-            <a:headEnd/>
-            <a:tailEnd/>
-          </a:ln>
-        </p:spPr>
-      </p:pic>
-      <p:pic>
-        <p:nvPicPr>
-          <p:cNvPr id="17411" name="Picture 5"/>
-          <p:cNvPicPr>
-            <a:picLocks noChangeAspect="1" noChangeArrowheads="1"/>
-          </p:cNvPicPr>
-          <p:nvPr/>
-        </p:nvPicPr>
-        <p:blipFill>
-          <a:blip r:embed="rId4" cstate="print"/>
-          <a:srcRect/>
-          <a:stretch>
-            <a:fillRect/>
-          </a:stretch>
-        </p:blipFill>
-        <p:spPr bwMode="auto">
-          <a:xfrm>
-            <a:off x="409575" y="1357313"/>
-            <a:ext cx="304800" cy="428625"/>
-          </a:xfrm>
-          <a:prstGeom prst="rect">
-            <a:avLst/>
-          </a:prstGeom>
-          <a:noFill/>
-          <a:ln w="9525">
-            <a:noFill/>
-            <a:miter lim="800000"/>
-            <a:headEnd/>
-            <a:tailEnd/>
-          </a:ln>
-        </p:spPr>
-      </p:pic>
-      <p:sp>
-        <p:nvSpPr>
-          <p:cNvPr id="17412" name="Título 1"/>
-          <p:cNvSpPr txBox="1">
-            <a:spLocks/>
-          </p:cNvSpPr>
-          <p:nvPr/>
-        </p:nvSpPr>
-        <p:spPr bwMode="auto">
-          <a:xfrm>
-            <a:off x="677737" y="1398588"/>
-            <a:ext cx="8286751" cy="774700"/>
-          </a:xfrm>
-          <a:prstGeom prst="rect">
-            <a:avLst/>
-          </a:prstGeom>
-          <a:noFill/>
-          <a:ln w="9525">
-            <a:noFill/>
-            <a:miter lim="800000"/>
-            <a:headEnd/>
-            <a:tailEnd/>
-          </a:ln>
-        </p:spPr>
-        <p:txBody>
-          <a:bodyPr anchor="ctr"/>
-          <a:lstStyle/>
-          <a:p>
-            <a:r>
-              <a:rPr lang="es-CO" sz="2400" b="1"/>
-              <a:t>Pruebas y análisis comparativo del uso de las estructuras de datos</a:t>
-            </a:r>
-            <a:endParaRPr lang="es-CO" sz="2200" b="1">
-              <a:latin typeface="Albertus" pitchFamily="34" charset="0"/>
-            </a:endParaRPr>
-          </a:p>
-        </p:txBody>
-      </p:sp>
-      <p:pic>
-        <p:nvPicPr>
-          <p:cNvPr id="9" name="Imagen 8"/>
-          <p:cNvPicPr>
-            <a:picLocks noChangeAspect="1"/>
-          </p:cNvPicPr>
-          <p:nvPr/>
-        </p:nvPicPr>
-        <p:blipFill>
-          <a:blip r:embed="rId5" cstate="print">
-            <a:extLst>
-              <a:ext uri="{28A0092B-C50C-407E-A947-70E740481C1C}">
-                <a14:useLocalDpi xmlns:a14="http://schemas.microsoft.com/office/drawing/2010/main" val="0"/>
-              </a:ext>
-            </a:extLst>
-          </a:blip>
-          <a:stretch>
-            <a:fillRect/>
-          </a:stretch>
-        </p:blipFill>
-        <p:spPr>
-          <a:xfrm>
-            <a:off x="6588224" y="51848"/>
-            <a:ext cx="1907456" cy="844123"/>
-          </a:xfrm>
-          <a:prstGeom prst="rect">
-            <a:avLst/>
-          </a:prstGeom>
-        </p:spPr>
-      </p:pic>
-      <p:pic>
-        <p:nvPicPr>
-          <p:cNvPr id="2050" name="Picture 2" descr="Vs: Imágenes, fotos de stock y vectores | Shutterstock">
-            <a:extLst>
-              <a:ext uri="{FF2B5EF4-FFF2-40B4-BE49-F238E27FC236}">
-                <a16:creationId xmlns:a16="http://schemas.microsoft.com/office/drawing/2014/main" id="{C104135E-FE89-40A4-8632-4DA94F644B91}"/>
-              </a:ext>
-            </a:extLst>
-          </p:cNvPr>
-          <p:cNvPicPr>
-            <a:picLocks noChangeAspect="1" noChangeArrowheads="1"/>
-          </p:cNvPicPr>
-          <p:nvPr/>
-        </p:nvPicPr>
-        <p:blipFill rotWithShape="1">
-          <a:blip r:embed="rId6">
-            <a:extLst>
-              <a:ext uri="{28A0092B-C50C-407E-A947-70E740481C1C}">
-                <a14:useLocalDpi xmlns:a14="http://schemas.microsoft.com/office/drawing/2010/main" val="0"/>
-              </a:ext>
-            </a:extLst>
-          </a:blip>
-          <a:srcRect l="15108" t="13500" b="24401"/>
-          <a:stretch/>
-        </p:blipFill>
-        <p:spPr bwMode="auto">
-          <a:xfrm>
-            <a:off x="5069007" y="3021052"/>
-            <a:ext cx="3400044" cy="2678484"/>
-          </a:xfrm>
-          <a:prstGeom prst="rect">
-            <a:avLst/>
-          </a:prstGeom>
-          <a:noFill/>
-          <a:extLst>
-            <a:ext uri="{909E8E84-426E-40DD-AFC4-6F175D3DCCD1}">
-              <a14:hiddenFill xmlns:a14="http://schemas.microsoft.com/office/drawing/2010/main">
-                <a:solidFill>
-                  <a:srgbClr val="FFFFFF"/>
-                </a:solidFill>
-              </a14:hiddenFill>
-            </a:ext>
-          </a:extLst>
-        </p:spPr>
-      </p:pic>
-      <p:sp>
-        <p:nvSpPr>
-          <p:cNvPr id="3" name="CuadroTexto 2">
-            <a:extLst>
-              <a:ext uri="{FF2B5EF4-FFF2-40B4-BE49-F238E27FC236}">
-                <a16:creationId xmlns:a16="http://schemas.microsoft.com/office/drawing/2014/main" id="{00C48601-FB9B-4C7E-A531-4472CF6E0C3C}"/>
-              </a:ext>
-            </a:extLst>
-          </p:cNvPr>
-          <p:cNvSpPr txBox="1"/>
-          <p:nvPr/>
-        </p:nvSpPr>
-        <p:spPr>
-          <a:xfrm>
-            <a:off x="409575" y="2420888"/>
-            <a:ext cx="4810497" cy="1200329"/>
-          </a:xfrm>
-          <a:prstGeom prst="rect">
-            <a:avLst/>
-          </a:prstGeom>
-          <a:noFill/>
-        </p:spPr>
-        <p:txBody>
-          <a:bodyPr wrap="square" rtlCol="0">
-            <a:spAutoFit/>
-          </a:bodyPr>
-          <a:lstStyle/>
-          <a:p>
-            <a:r>
-              <a:rPr lang="es-CO" sz="2400"/>
-              <a:t>Se realizaron pruebas con diferentes implementaciones  para encontrar la mas optima.</a:t>
-            </a:r>
-          </a:p>
-        </p:txBody>
-      </p:sp>
-    </p:spTree>
-    <p:extLst>
-      <p:ext uri="{BB962C8B-B14F-4D97-AF65-F5344CB8AC3E}">
-        <p14:creationId xmlns:p14="http://schemas.microsoft.com/office/powerpoint/2010/main" val="1814172643"/>
+        <p14:creationId xmlns:p14="http://schemas.microsoft.com/office/powerpoint/2010/main" val="3947213726"/>
       </p:ext>
     </p:extLst>
   </p:cSld>
